--- a/SimonGollbo_EmbeddedProject_Final.pptx
+++ b/SimonGollbo_EmbeddedProject_Final.pptx
@@ -9,9 +9,15 @@
     <p:sldId id="261" r:id="rId3"/>
     <p:sldId id="257" r:id="rId4"/>
     <p:sldId id="258" r:id="rId5"/>
-    <p:sldId id="259" r:id="rId6"/>
-    <p:sldId id="260" r:id="rId7"/>
-    <p:sldId id="262" r:id="rId8"/>
+    <p:sldId id="266" r:id="rId6"/>
+    <p:sldId id="263" r:id="rId7"/>
+    <p:sldId id="259" r:id="rId8"/>
+    <p:sldId id="264" r:id="rId9"/>
+    <p:sldId id="265" r:id="rId10"/>
+    <p:sldId id="260" r:id="rId11"/>
+    <p:sldId id="268" r:id="rId12"/>
+    <p:sldId id="262" r:id="rId13"/>
+    <p:sldId id="267" r:id="rId14"/>
   </p:sldIdLst>
   <p:sldSz cx="9144000" cy="6858000" type="screen4x3"/>
   <p:notesSz cx="6858000" cy="9144000"/>
@@ -498,7 +504,7 @@
             <a:fld id="{1D8BD707-D9CF-40AE-B4C6-C98DA3205C09}" type="datetimeFigureOut">
               <a:rPr lang="en-US" smtClean="0"/>
               <a:pPr/>
-              <a:t>3/19/2017</a:t>
+              <a:t>3/20/2017</a:t>
             </a:fld>
             <a:endParaRPr lang="en-US"/>
           </a:p>
@@ -665,7 +671,7 @@
             <a:fld id="{1D8BD707-D9CF-40AE-B4C6-C98DA3205C09}" type="datetimeFigureOut">
               <a:rPr lang="en-US" smtClean="0"/>
               <a:pPr/>
-              <a:t>3/19/2017</a:t>
+              <a:t>3/20/2017</a:t>
             </a:fld>
             <a:endParaRPr lang="en-US"/>
           </a:p>
@@ -842,7 +848,7 @@
             <a:fld id="{1D8BD707-D9CF-40AE-B4C6-C98DA3205C09}" type="datetimeFigureOut">
               <a:rPr lang="en-US" smtClean="0"/>
               <a:pPr/>
-              <a:t>3/19/2017</a:t>
+              <a:t>3/20/2017</a:t>
             </a:fld>
             <a:endParaRPr lang="en-US"/>
           </a:p>
@@ -1013,7 +1019,7 @@
             <a:fld id="{1D8BD707-D9CF-40AE-B4C6-C98DA3205C09}" type="datetimeFigureOut">
               <a:rPr lang="en-US" smtClean="0"/>
               <a:pPr/>
-              <a:t>3/19/2017</a:t>
+              <a:t>3/20/2017</a:t>
             </a:fld>
             <a:endParaRPr lang="en-US"/>
           </a:p>
@@ -1470,7 +1476,7 @@
             <a:fld id="{1D8BD707-D9CF-40AE-B4C6-C98DA3205C09}" type="datetimeFigureOut">
               <a:rPr lang="en-US" smtClean="0"/>
               <a:pPr/>
-              <a:t>3/19/2017</a:t>
+              <a:t>3/20/2017</a:t>
             </a:fld>
             <a:endParaRPr lang="en-US"/>
           </a:p>
@@ -1736,7 +1742,7 @@
             <a:fld id="{1D8BD707-D9CF-40AE-B4C6-C98DA3205C09}" type="datetimeFigureOut">
               <a:rPr lang="en-US" smtClean="0"/>
               <a:pPr/>
-              <a:t>3/19/2017</a:t>
+              <a:t>3/20/2017</a:t>
             </a:fld>
             <a:endParaRPr lang="en-US"/>
           </a:p>
@@ -2112,7 +2118,7 @@
             <a:fld id="{1D8BD707-D9CF-40AE-B4C6-C98DA3205C09}" type="datetimeFigureOut">
               <a:rPr lang="en-US" smtClean="0"/>
               <a:pPr/>
-              <a:t>3/19/2017</a:t>
+              <a:t>3/20/2017</a:t>
             </a:fld>
             <a:endParaRPr lang="en-US"/>
           </a:p>
@@ -2236,7 +2242,7 @@
             <a:fld id="{1D8BD707-D9CF-40AE-B4C6-C98DA3205C09}" type="datetimeFigureOut">
               <a:rPr lang="en-US" smtClean="0"/>
               <a:pPr/>
-              <a:t>3/19/2017</a:t>
+              <a:t>3/20/2017</a:t>
             </a:fld>
             <a:endParaRPr lang="en-US"/>
           </a:p>
@@ -2328,7 +2334,7 @@
             <a:fld id="{1D8BD707-D9CF-40AE-B4C6-C98DA3205C09}" type="datetimeFigureOut">
               <a:rPr lang="en-US" smtClean="0"/>
               <a:pPr/>
-              <a:t>3/19/2017</a:t>
+              <a:t>3/20/2017</a:t>
             </a:fld>
             <a:endParaRPr lang="en-US"/>
           </a:p>
@@ -2579,7 +2585,7 @@
             <a:fld id="{1D8BD707-D9CF-40AE-B4C6-C98DA3205C09}" type="datetimeFigureOut">
               <a:rPr lang="en-US" smtClean="0"/>
               <a:pPr/>
-              <a:t>3/19/2017</a:t>
+              <a:t>3/20/2017</a:t>
             </a:fld>
             <a:endParaRPr lang="en-US"/>
           </a:p>
@@ -2840,7 +2846,7 @@
             <a:fld id="{1D8BD707-D9CF-40AE-B4C6-C98DA3205C09}" type="datetimeFigureOut">
               <a:rPr lang="en-US" smtClean="0"/>
               <a:pPr/>
-              <a:t>3/19/2017</a:t>
+              <a:t>3/20/2017</a:t>
             </a:fld>
             <a:endParaRPr lang="en-US"/>
           </a:p>
@@ -3246,7 +3252,7 @@
             <a:fld id="{1D8BD707-D9CF-40AE-B4C6-C98DA3205C09}" type="datetimeFigureOut">
               <a:rPr lang="en-US" smtClean="0"/>
               <a:pPr/>
-              <a:t>3/19/2017</a:t>
+              <a:t>3/20/2017</a:t>
             </a:fld>
             <a:endParaRPr lang="en-US"/>
           </a:p>
@@ -3708,7 +3714,7 @@
 </p:sld>
 </file>
 
-<file path=ppt/slides/slide2.xml><?xml version="1.0" encoding="utf-8"?>
+<file path=ppt/slides/slide10.xml><?xml version="1.0" encoding="utf-8"?>
 <p:sld xmlns:a="http://schemas.openxmlformats.org/drawingml/2006/main" xmlns:r="http://schemas.openxmlformats.org/officeDocument/2006/relationships" xmlns:p="http://schemas.openxmlformats.org/presentationml/2006/main">
   <p:cSld>
     <p:spTree>
@@ -3742,7 +3748,7 @@
           <a:p>
             <a:r>
               <a:rPr lang="sv-SE" dirty="0" smtClean="0"/>
-              <a:t>Outline</a:t>
+              <a:t>Results</a:t>
             </a:r>
             <a:endParaRPr lang="sv-SE" dirty="0"/>
           </a:p>
@@ -3765,120 +3771,31 @@
           <a:p>
             <a:r>
               <a:rPr lang="sv-SE" dirty="0" smtClean="0"/>
-              <a:t>Purpose and project specifications</a:t>
-            </a:r>
-          </a:p>
-          <a:p>
-            <a:endParaRPr lang="sv-SE" dirty="0" smtClean="0"/>
-          </a:p>
-          <a:p>
-            <a:r>
-              <a:rPr lang="sv-SE" dirty="0" smtClean="0"/>
-              <a:t>Work</a:t>
-            </a:r>
-          </a:p>
-          <a:p>
-            <a:endParaRPr lang="sv-SE" dirty="0" smtClean="0"/>
-          </a:p>
-          <a:p>
-            <a:r>
-              <a:rPr lang="sv-SE" dirty="0" smtClean="0"/>
-              <a:t>Results and demonstration</a:t>
-            </a:r>
-          </a:p>
-          <a:p>
-            <a:endParaRPr lang="sv-SE" dirty="0" smtClean="0"/>
-          </a:p>
-          <a:p>
-            <a:r>
-              <a:rPr lang="sv-SE" dirty="0" smtClean="0"/>
-              <a:t>Summary and conclusion</a:t>
-            </a:r>
-            <a:endParaRPr lang="sv-SE" dirty="0"/>
-          </a:p>
-        </p:txBody>
-      </p:sp>
-    </p:spTree>
-  </p:cSld>
-  <p:clrMapOvr>
-    <a:masterClrMapping/>
-  </p:clrMapOvr>
-</p:sld>
-</file>
-
-<file path=ppt/slides/slide3.xml><?xml version="1.0" encoding="utf-8"?>
-<p:sld xmlns:a="http://schemas.openxmlformats.org/drawingml/2006/main" xmlns:r="http://schemas.openxmlformats.org/officeDocument/2006/relationships" xmlns:p="http://schemas.openxmlformats.org/presentationml/2006/main">
-  <p:cSld>
-    <p:spTree>
-      <p:nvGrpSpPr>
-        <p:cNvPr id="1" name=""/>
-        <p:cNvGrpSpPr/>
-        <p:nvPr/>
-      </p:nvGrpSpPr>
-      <p:grpSpPr>
-        <a:xfrm>
-          <a:off x="0" y="0"/>
-          <a:ext cx="0" cy="0"/>
-          <a:chOff x="0" y="0"/>
-          <a:chExt cx="0" cy="0"/>
-        </a:xfrm>
-      </p:grpSpPr>
-      <p:sp>
-        <p:nvSpPr>
-          <p:cNvPr id="2" name="Title 1"/>
-          <p:cNvSpPr>
-            <a:spLocks noGrp="1"/>
-          </p:cNvSpPr>
-          <p:nvPr>
-            <p:ph type="title"/>
-          </p:nvPr>
-        </p:nvSpPr>
-        <p:spPr/>
-        <p:txBody>
-          <a:bodyPr/>
-          <a:lstStyle/>
-          <a:p>
-            <a:r>
-              <a:rPr lang="sv-SE" dirty="0" smtClean="0"/>
-              <a:t>Purpose</a:t>
-            </a:r>
-            <a:endParaRPr lang="sv-SE" dirty="0"/>
-          </a:p>
-        </p:txBody>
-      </p:sp>
-      <p:sp>
-        <p:nvSpPr>
-          <p:cNvPr id="3" name="Content Placeholder 2"/>
-          <p:cNvSpPr>
-            <a:spLocks noGrp="1"/>
-          </p:cNvSpPr>
-          <p:nvPr>
-            <p:ph idx="1"/>
-          </p:nvPr>
-        </p:nvSpPr>
-        <p:spPr/>
-        <p:txBody>
-          <a:bodyPr/>
-          <a:lstStyle/>
-          <a:p>
-            <a:r>
-              <a:rPr lang="sv-SE" dirty="0" smtClean="0"/>
-              <a:t>Control system for vacuum system</a:t>
-            </a:r>
-          </a:p>
-          <a:p>
-            <a:endParaRPr lang="sv-SE" dirty="0" smtClean="0"/>
-          </a:p>
-          <a:p>
-            <a:r>
-              <a:rPr lang="sv-SE" dirty="0" smtClean="0"/>
-              <a:t>(Image of overview)</a:t>
-            </a:r>
-            <a:endParaRPr lang="sv-SE" dirty="0" smtClean="0"/>
+              <a:t>Working PCB</a:t>
+            </a:r>
           </a:p>
           <a:p>
             <a:pPr lvl="1"/>
             <a:endParaRPr lang="sv-SE" dirty="0" smtClean="0"/>
+          </a:p>
+          <a:p>
+            <a:pPr lvl="1"/>
+            <a:r>
+              <a:rPr lang="sv-SE" dirty="0" smtClean="0"/>
+              <a:t>GUI for vacuum system</a:t>
+            </a:r>
+          </a:p>
+          <a:p>
+            <a:pPr lvl="1"/>
+            <a:endParaRPr lang="sv-SE" dirty="0" smtClean="0"/>
+          </a:p>
+          <a:p>
+            <a:pPr lvl="1"/>
+            <a:r>
+              <a:rPr lang="sv-SE" dirty="0" smtClean="0"/>
+              <a:t>GUI for PID-controller</a:t>
+            </a:r>
+            <a:endParaRPr lang="sv-SE" dirty="0"/>
           </a:p>
         </p:txBody>
       </p:sp>
@@ -3927,9 +3844,6 @@
   <p:clrMapOvr>
     <a:masterClrMapping/>
   </p:clrMapOvr>
-  <p:transition>
-    <p:cut/>
-  </p:transition>
   <p:timing>
     <p:tnLst>
       <p:par>
@@ -4030,15 +3944,64 @@
                                   </p:childTnLst>
                                 </p:cTn>
                               </p:par>
+                            </p:childTnLst>
+                          </p:cTn>
+                        </p:par>
+                      </p:childTnLst>
+                    </p:cTn>
+                  </p:par>
+                  <p:par>
+                    <p:cTn id="11" fill="hold">
+                      <p:stCondLst>
+                        <p:cond delay="indefinite"/>
+                      </p:stCondLst>
+                      <p:childTnLst>
+                        <p:par>
+                          <p:cTn id="12" fill="hold">
+                            <p:stCondLst>
+                              <p:cond delay="0"/>
+                            </p:stCondLst>
+                            <p:childTnLst>
                               <p:par>
-                                <p:cTn id="11" presetID="1" presetClass="entr" presetSubtype="0" fill="hold" grpId="0" nodeType="withEffect">
+                                <p:cTn id="13" presetID="1" presetClass="entr" presetSubtype="0" fill="hold" nodeType="clickEffect">
                                   <p:stCondLst>
                                     <p:cond delay="0"/>
                                   </p:stCondLst>
                                   <p:childTnLst>
                                     <p:set>
                                       <p:cBhvr>
-                                        <p:cTn id="12" dur="1" fill="hold">
+                                        <p:cTn id="14" dur="1" fill="hold">
+                                          <p:stCondLst>
+                                            <p:cond delay="0"/>
+                                          </p:stCondLst>
+                                        </p:cTn>
+                                        <p:tgtEl>
+                                          <p:spTgt spid="3">
+                                            <p:txEl>
+                                              <p:pRg st="4" end="4"/>
+                                            </p:txEl>
+                                          </p:spTgt>
+                                        </p:tgtEl>
+                                        <p:attrNameLst>
+                                          <p:attrName>style.visibility</p:attrName>
+                                        </p:attrNameLst>
+                                      </p:cBhvr>
+                                      <p:to>
+                                        <p:strVal val="visible"/>
+                                      </p:to>
+                                    </p:set>
+                                  </p:childTnLst>
+                                </p:cTn>
+                              </p:par>
+                              <p:par>
+                                <p:cTn id="15" presetID="1" presetClass="entr" presetSubtype="0" fill="hold" grpId="0" nodeType="withEffect">
+                                  <p:stCondLst>
+                                    <p:cond delay="0"/>
+                                  </p:stCondLst>
+                                  <p:childTnLst>
+                                    <p:set>
+                                      <p:cBhvr>
+                                        <p:cTn id="16" dur="1" fill="hold">
                                           <p:stCondLst>
                                             <p:cond delay="0"/>
                                           </p:stCondLst>
@@ -4091,7 +4054,7 @@
 </p:sld>
 </file>
 
-<file path=ppt/slides/slide4.xml><?xml version="1.0" encoding="utf-8"?>
+<file path=ppt/slides/slide11.xml><?xml version="1.0" encoding="utf-8"?>
 <p:sld xmlns:a="http://schemas.openxmlformats.org/drawingml/2006/main" xmlns:r="http://schemas.openxmlformats.org/officeDocument/2006/relationships" xmlns:p="http://schemas.openxmlformats.org/presentationml/2006/main">
   <p:cSld>
     <p:spTree>
@@ -4120,14 +4083,12 @@
         </p:nvSpPr>
         <p:spPr/>
         <p:txBody>
-          <a:bodyPr>
-            <a:normAutofit/>
-          </a:bodyPr>
+          <a:bodyPr/>
           <a:lstStyle/>
           <a:p>
             <a:r>
               <a:rPr lang="sv-SE" dirty="0" smtClean="0"/>
-              <a:t>Specifications</a:t>
+              <a:t>Summary</a:t>
             </a:r>
             <a:endParaRPr lang="sv-SE" dirty="0"/>
           </a:p>
@@ -4145,19 +4106,354 @@
         </p:nvSpPr>
         <p:spPr/>
         <p:txBody>
-          <a:bodyPr>
-            <a:normAutofit/>
-          </a:bodyPr>
+          <a:bodyPr/>
           <a:lstStyle/>
           <a:p>
             <a:r>
               <a:rPr lang="sv-SE" dirty="0" smtClean="0"/>
-              <a:t>Milestone</a:t>
-            </a:r>
+              <a:t>Prototype and test</a:t>
+            </a:r>
+          </a:p>
+          <a:p>
             <a:endParaRPr lang="sv-SE" dirty="0" smtClean="0"/>
           </a:p>
           <a:p>
+            <a:endParaRPr lang="sv-SE" dirty="0" smtClean="0"/>
+          </a:p>
+          <a:p>
+            <a:r>
+              <a:rPr lang="sv-SE" dirty="0" smtClean="0"/>
+              <a:t>PCB design</a:t>
+            </a:r>
+          </a:p>
+          <a:p>
+            <a:endParaRPr lang="sv-SE" dirty="0" smtClean="0"/>
+          </a:p>
+          <a:p>
+            <a:endParaRPr lang="sv-SE" dirty="0" smtClean="0"/>
+          </a:p>
+          <a:p>
+            <a:r>
+              <a:rPr lang="sv-SE" dirty="0" smtClean="0"/>
+              <a:t>PCB test</a:t>
+            </a:r>
             <a:endParaRPr lang="sv-SE" dirty="0"/>
+          </a:p>
+        </p:txBody>
+      </p:sp>
+    </p:spTree>
+  </p:cSld>
+  <p:clrMapOvr>
+    <a:masterClrMapping/>
+  </p:clrMapOvr>
+  <p:timing>
+    <p:tnLst>
+      <p:par>
+        <p:cTn id="1" dur="indefinite" restart="never" nodeType="tmRoot"/>
+      </p:par>
+    </p:tnLst>
+  </p:timing>
+</p:sld>
+</file>
+
+<file path=ppt/slides/slide12.xml><?xml version="1.0" encoding="utf-8"?>
+<p:sld xmlns:a="http://schemas.openxmlformats.org/drawingml/2006/main" xmlns:r="http://schemas.openxmlformats.org/officeDocument/2006/relationships" xmlns:p="http://schemas.openxmlformats.org/presentationml/2006/main">
+  <p:cSld>
+    <p:spTree>
+      <p:nvGrpSpPr>
+        <p:cNvPr id="1" name=""/>
+        <p:cNvGrpSpPr/>
+        <p:nvPr/>
+      </p:nvGrpSpPr>
+      <p:grpSpPr>
+        <a:xfrm>
+          <a:off x="0" y="0"/>
+          <a:ext cx="0" cy="0"/>
+          <a:chOff x="0" y="0"/>
+          <a:chExt cx="0" cy="0"/>
+        </a:xfrm>
+      </p:grpSpPr>
+      <p:sp>
+        <p:nvSpPr>
+          <p:cNvPr id="2" name="Title 1"/>
+          <p:cNvSpPr>
+            <a:spLocks noGrp="1"/>
+          </p:cNvSpPr>
+          <p:nvPr>
+            <p:ph type="title"/>
+          </p:nvPr>
+        </p:nvSpPr>
+        <p:spPr>
+          <a:xfrm>
+            <a:off x="609600" y="2667000"/>
+            <a:ext cx="7470648" cy="1143000"/>
+          </a:xfrm>
+        </p:spPr>
+        <p:txBody>
+          <a:bodyPr/>
+          <a:lstStyle/>
+          <a:p>
+            <a:pPr algn="ctr"/>
+            <a:r>
+              <a:rPr lang="sv-SE" dirty="0" smtClean="0"/>
+              <a:t>Demonstration</a:t>
+            </a:r>
+            <a:endParaRPr lang="sv-SE" dirty="0"/>
+          </a:p>
+        </p:txBody>
+      </p:sp>
+    </p:spTree>
+  </p:cSld>
+  <p:clrMapOvr>
+    <a:masterClrMapping/>
+  </p:clrMapOvr>
+  <p:timing>
+    <p:tnLst>
+      <p:par>
+        <p:cTn id="1" dur="indefinite" restart="never" nodeType="tmRoot"/>
+      </p:par>
+    </p:tnLst>
+  </p:timing>
+</p:sld>
+</file>
+
+<file path=ppt/slides/slide13.xml><?xml version="1.0" encoding="utf-8"?>
+<p:sld xmlns:a="http://schemas.openxmlformats.org/drawingml/2006/main" xmlns:r="http://schemas.openxmlformats.org/officeDocument/2006/relationships" xmlns:p="http://schemas.openxmlformats.org/presentationml/2006/main">
+  <p:cSld>
+    <p:spTree>
+      <p:nvGrpSpPr>
+        <p:cNvPr id="1" name=""/>
+        <p:cNvGrpSpPr/>
+        <p:nvPr/>
+      </p:nvGrpSpPr>
+      <p:grpSpPr>
+        <a:xfrm>
+          <a:off x="0" y="0"/>
+          <a:ext cx="0" cy="0"/>
+          <a:chOff x="0" y="0"/>
+          <a:chExt cx="0" cy="0"/>
+        </a:xfrm>
+      </p:grpSpPr>
+      <p:sp>
+        <p:nvSpPr>
+          <p:cNvPr id="2" name="Title 1"/>
+          <p:cNvSpPr>
+            <a:spLocks noGrp="1"/>
+          </p:cNvSpPr>
+          <p:nvPr>
+            <p:ph type="title"/>
+          </p:nvPr>
+        </p:nvSpPr>
+        <p:spPr/>
+        <p:txBody>
+          <a:bodyPr/>
+          <a:lstStyle/>
+          <a:p>
+            <a:endParaRPr lang="sv-SE"/>
+          </a:p>
+        </p:txBody>
+      </p:sp>
+      <p:sp>
+        <p:nvSpPr>
+          <p:cNvPr id="3" name="Content Placeholder 2"/>
+          <p:cNvSpPr>
+            <a:spLocks noGrp="1"/>
+          </p:cNvSpPr>
+          <p:nvPr>
+            <p:ph idx="1"/>
+          </p:nvPr>
+        </p:nvSpPr>
+        <p:spPr/>
+        <p:txBody>
+          <a:bodyPr/>
+          <a:lstStyle/>
+          <a:p>
+            <a:endParaRPr lang="sv-SE"/>
+          </a:p>
+        </p:txBody>
+      </p:sp>
+    </p:spTree>
+  </p:cSld>
+  <p:clrMapOvr>
+    <a:masterClrMapping/>
+  </p:clrMapOvr>
+</p:sld>
+</file>
+
+<file path=ppt/slides/slide2.xml><?xml version="1.0" encoding="utf-8"?>
+<p:sld xmlns:a="http://schemas.openxmlformats.org/drawingml/2006/main" xmlns:r="http://schemas.openxmlformats.org/officeDocument/2006/relationships" xmlns:p="http://schemas.openxmlformats.org/presentationml/2006/main">
+  <p:cSld>
+    <p:spTree>
+      <p:nvGrpSpPr>
+        <p:cNvPr id="1" name=""/>
+        <p:cNvGrpSpPr/>
+        <p:nvPr/>
+      </p:nvGrpSpPr>
+      <p:grpSpPr>
+        <a:xfrm>
+          <a:off x="0" y="0"/>
+          <a:ext cx="0" cy="0"/>
+          <a:chOff x="0" y="0"/>
+          <a:chExt cx="0" cy="0"/>
+        </a:xfrm>
+      </p:grpSpPr>
+      <p:sp>
+        <p:nvSpPr>
+          <p:cNvPr id="2" name="Title 1"/>
+          <p:cNvSpPr>
+            <a:spLocks noGrp="1"/>
+          </p:cNvSpPr>
+          <p:nvPr>
+            <p:ph type="title"/>
+          </p:nvPr>
+        </p:nvSpPr>
+        <p:spPr/>
+        <p:txBody>
+          <a:bodyPr/>
+          <a:lstStyle/>
+          <a:p>
+            <a:r>
+              <a:rPr lang="sv-SE" dirty="0" smtClean="0"/>
+              <a:t>Outline</a:t>
+            </a:r>
+            <a:endParaRPr lang="sv-SE" dirty="0"/>
+          </a:p>
+        </p:txBody>
+      </p:sp>
+      <p:sp>
+        <p:nvSpPr>
+          <p:cNvPr id="3" name="Content Placeholder 2"/>
+          <p:cNvSpPr>
+            <a:spLocks noGrp="1"/>
+          </p:cNvSpPr>
+          <p:nvPr>
+            <p:ph idx="1"/>
+          </p:nvPr>
+        </p:nvSpPr>
+        <p:spPr/>
+        <p:txBody>
+          <a:bodyPr/>
+          <a:lstStyle/>
+          <a:p>
+            <a:r>
+              <a:rPr lang="sv-SE" dirty="0" smtClean="0"/>
+              <a:t>Purpose and project specifications</a:t>
+            </a:r>
+          </a:p>
+          <a:p>
+            <a:endParaRPr lang="sv-SE" dirty="0" smtClean="0"/>
+          </a:p>
+          <a:p>
+            <a:r>
+              <a:rPr lang="sv-SE" dirty="0" smtClean="0"/>
+              <a:t>Work</a:t>
+            </a:r>
+          </a:p>
+          <a:p>
+            <a:endParaRPr lang="sv-SE" dirty="0" smtClean="0"/>
+          </a:p>
+          <a:p>
+            <a:r>
+              <a:rPr lang="sv-SE" dirty="0" smtClean="0"/>
+              <a:t>Results and </a:t>
+            </a:r>
+            <a:r>
+              <a:rPr lang="sv-SE" dirty="0" smtClean="0"/>
+              <a:t>summary</a:t>
+            </a:r>
+            <a:endParaRPr lang="sv-SE" dirty="0" smtClean="0"/>
+          </a:p>
+          <a:p>
+            <a:endParaRPr lang="sv-SE" dirty="0" smtClean="0"/>
+          </a:p>
+          <a:p>
+            <a:r>
+              <a:rPr lang="sv-SE" dirty="0" smtClean="0"/>
+              <a:t>Demonstration</a:t>
+            </a:r>
+            <a:endParaRPr lang="sv-SE" dirty="0"/>
+          </a:p>
+        </p:txBody>
+      </p:sp>
+    </p:spTree>
+  </p:cSld>
+  <p:clrMapOvr>
+    <a:masterClrMapping/>
+  </p:clrMapOvr>
+  <p:timing>
+    <p:tnLst>
+      <p:par>
+        <p:cTn id="1" dur="indefinite" restart="never" nodeType="tmRoot"/>
+      </p:par>
+    </p:tnLst>
+  </p:timing>
+</p:sld>
+</file>
+
+<file path=ppt/slides/slide3.xml><?xml version="1.0" encoding="utf-8"?>
+<p:sld xmlns:a="http://schemas.openxmlformats.org/drawingml/2006/main" xmlns:r="http://schemas.openxmlformats.org/officeDocument/2006/relationships" xmlns:p="http://schemas.openxmlformats.org/presentationml/2006/main">
+  <p:cSld>
+    <p:spTree>
+      <p:nvGrpSpPr>
+        <p:cNvPr id="1" name=""/>
+        <p:cNvGrpSpPr/>
+        <p:nvPr/>
+      </p:nvGrpSpPr>
+      <p:grpSpPr>
+        <a:xfrm>
+          <a:off x="0" y="0"/>
+          <a:ext cx="0" cy="0"/>
+          <a:chOff x="0" y="0"/>
+          <a:chExt cx="0" cy="0"/>
+        </a:xfrm>
+      </p:grpSpPr>
+      <p:sp>
+        <p:nvSpPr>
+          <p:cNvPr id="2" name="Title 1"/>
+          <p:cNvSpPr>
+            <a:spLocks noGrp="1"/>
+          </p:cNvSpPr>
+          <p:nvPr>
+            <p:ph type="title"/>
+          </p:nvPr>
+        </p:nvSpPr>
+        <p:spPr/>
+        <p:txBody>
+          <a:bodyPr/>
+          <a:lstStyle/>
+          <a:p>
+            <a:r>
+              <a:rPr lang="sv-SE" dirty="0" smtClean="0"/>
+              <a:t>Purpose</a:t>
+            </a:r>
+            <a:endParaRPr lang="sv-SE" dirty="0"/>
+          </a:p>
+        </p:txBody>
+      </p:sp>
+      <p:sp>
+        <p:nvSpPr>
+          <p:cNvPr id="3" name="Content Placeholder 2"/>
+          <p:cNvSpPr>
+            <a:spLocks noGrp="1"/>
+          </p:cNvSpPr>
+          <p:nvPr>
+            <p:ph idx="1"/>
+          </p:nvPr>
+        </p:nvSpPr>
+        <p:spPr/>
+        <p:txBody>
+          <a:bodyPr/>
+          <a:lstStyle/>
+          <a:p>
+            <a:r>
+              <a:rPr lang="sv-SE" dirty="0" smtClean="0"/>
+              <a:t>Control system for vacuum </a:t>
+            </a:r>
+            <a:r>
+              <a:rPr lang="sv-SE" dirty="0" smtClean="0"/>
+              <a:t>system</a:t>
+            </a:r>
+            <a:endParaRPr lang="sv-SE" dirty="0" smtClean="0"/>
           </a:p>
         </p:txBody>
       </p:sp>
@@ -4201,124 +4497,51 @@
           </a:p>
         </p:txBody>
       </p:sp>
+      <p:pic>
+        <p:nvPicPr>
+          <p:cNvPr id="1026" name="Picture 2" descr="C:\Users\Simon\Documents\Universitet\Projekt-i-inbyggda-system\Drawings\VauumSystemOverview.PNG"/>
+          <p:cNvPicPr>
+            <a:picLocks noChangeAspect="1" noChangeArrowheads="1"/>
+          </p:cNvPicPr>
+          <p:nvPr/>
+        </p:nvPicPr>
+        <p:blipFill>
+          <a:blip r:embed="rId2" cstate="print"/>
+          <a:srcRect/>
+          <a:stretch>
+            <a:fillRect/>
+          </a:stretch>
+        </p:blipFill>
+        <p:spPr bwMode="auto">
+          <a:xfrm>
+            <a:off x="762000" y="2590800"/>
+            <a:ext cx="6705600" cy="3462959"/>
+          </a:xfrm>
+          <a:prstGeom prst="rect">
+            <a:avLst/>
+          </a:prstGeom>
+          <a:noFill/>
+        </p:spPr>
+      </p:pic>
     </p:spTree>
   </p:cSld>
   <p:clrMapOvr>
     <a:masterClrMapping/>
   </p:clrMapOvr>
+  <p:transition>
+    <p:cut/>
+  </p:transition>
   <p:timing>
     <p:tnLst>
       <p:par>
-        <p:cTn id="1" dur="indefinite" restart="never" nodeType="tmRoot">
-          <p:childTnLst>
-            <p:seq concurrent="1" nextAc="seek">
-              <p:cTn id="2" dur="indefinite" nodeType="mainSeq">
-                <p:childTnLst>
-                  <p:par>
-                    <p:cTn id="3" fill="hold">
-                      <p:stCondLst>
-                        <p:cond delay="indefinite"/>
-                      </p:stCondLst>
-                      <p:childTnLst>
-                        <p:par>
-                          <p:cTn id="4" fill="hold">
-                            <p:stCondLst>
-                              <p:cond delay="0"/>
-                            </p:stCondLst>
-                            <p:childTnLst>
-                              <p:par>
-                                <p:cTn id="5" presetID="1" presetClass="entr" presetSubtype="0" fill="hold" nodeType="clickEffect">
-                                  <p:stCondLst>
-                                    <p:cond delay="0"/>
-                                  </p:stCondLst>
-                                  <p:childTnLst>
-                                    <p:set>
-                                      <p:cBhvr>
-                                        <p:cTn id="6" dur="1" fill="hold">
-                                          <p:stCondLst>
-                                            <p:cond delay="0"/>
-                                          </p:stCondLst>
-                                        </p:cTn>
-                                        <p:tgtEl>
-                                          <p:spTgt spid="3">
-                                            <p:txEl>
-                                              <p:pRg st="0" end="0"/>
-                                            </p:txEl>
-                                          </p:spTgt>
-                                        </p:tgtEl>
-                                        <p:attrNameLst>
-                                          <p:attrName>style.visibility</p:attrName>
-                                        </p:attrNameLst>
-                                      </p:cBhvr>
-                                      <p:to>
-                                        <p:strVal val="visible"/>
-                                      </p:to>
-                                    </p:set>
-                                  </p:childTnLst>
-                                </p:cTn>
-                              </p:par>
-                              <p:par>
-                                <p:cTn id="7" presetID="1" presetClass="entr" presetSubtype="0" fill="hold" grpId="0" nodeType="withEffect">
-                                  <p:stCondLst>
-                                    <p:cond delay="0"/>
-                                  </p:stCondLst>
-                                  <p:childTnLst>
-                                    <p:set>
-                                      <p:cBhvr>
-                                        <p:cTn id="8" dur="1" fill="hold">
-                                          <p:stCondLst>
-                                            <p:cond delay="0"/>
-                                          </p:stCondLst>
-                                        </p:cTn>
-                                        <p:tgtEl>
-                                          <p:spTgt spid="4"/>
-                                        </p:tgtEl>
-                                        <p:attrNameLst>
-                                          <p:attrName>style.visibility</p:attrName>
-                                        </p:attrNameLst>
-                                      </p:cBhvr>
-                                      <p:to>
-                                        <p:strVal val="visible"/>
-                                      </p:to>
-                                    </p:set>
-                                  </p:childTnLst>
-                                </p:cTn>
-                              </p:par>
-                            </p:childTnLst>
-                          </p:cTn>
-                        </p:par>
-                      </p:childTnLst>
-                    </p:cTn>
-                  </p:par>
-                </p:childTnLst>
-              </p:cTn>
-              <p:prevCondLst>
-                <p:cond evt="onPrev" delay="0">
-                  <p:tgtEl>
-                    <p:sldTgt/>
-                  </p:tgtEl>
-                </p:cond>
-              </p:prevCondLst>
-              <p:nextCondLst>
-                <p:cond evt="onNext" delay="0">
-                  <p:tgtEl>
-                    <p:sldTgt/>
-                  </p:tgtEl>
-                </p:cond>
-              </p:nextCondLst>
-            </p:seq>
-          </p:childTnLst>
-        </p:cTn>
+        <p:cTn id="1" dur="indefinite" restart="never" nodeType="tmRoot"/>
       </p:par>
     </p:tnLst>
-    <p:bldLst>
-      <p:bldP spid="4" grpId="0" animBg="1"/>
-    </p:bldLst>
   </p:timing>
 </p:sld>
 </file>
 
-<file path=ppt/slides/slide5.xml><?xml version="1.0" encoding="utf-8"?>
+<file path=ppt/slides/slide4.xml><?xml version="1.0" encoding="utf-8"?>
 <p:sld xmlns:a="http://schemas.openxmlformats.org/drawingml/2006/main" xmlns:r="http://schemas.openxmlformats.org/officeDocument/2006/relationships" xmlns:p="http://schemas.openxmlformats.org/presentationml/2006/main">
   <p:cSld>
     <p:spTree>
@@ -4347,29 +4570,6 @@
         </p:nvSpPr>
         <p:spPr/>
         <p:txBody>
-          <a:bodyPr/>
-          <a:lstStyle/>
-          <a:p>
-            <a:r>
-              <a:rPr lang="sv-SE" dirty="0" smtClean="0"/>
-              <a:t>Work</a:t>
-            </a:r>
-            <a:endParaRPr lang="sv-SE" dirty="0"/>
-          </a:p>
-        </p:txBody>
-      </p:sp>
-      <p:sp>
-        <p:nvSpPr>
-          <p:cNvPr id="3" name="Content Placeholder 2"/>
-          <p:cNvSpPr>
-            <a:spLocks noGrp="1"/>
-          </p:cNvSpPr>
-          <p:nvPr>
-            <p:ph idx="1"/>
-          </p:nvPr>
-        </p:nvSpPr>
-        <p:spPr/>
-        <p:txBody>
           <a:bodyPr>
             <a:normAutofit/>
           </a:bodyPr>
@@ -4377,234 +4577,39 @@
           <a:p>
             <a:r>
               <a:rPr lang="sv-SE" dirty="0" smtClean="0"/>
+              <a:t>Specifications</a:t>
+            </a:r>
+            <a:endParaRPr lang="sv-SE" dirty="0"/>
+          </a:p>
+        </p:txBody>
+      </p:sp>
+      <p:sp>
+        <p:nvSpPr>
+          <p:cNvPr id="3" name="Content Placeholder 2"/>
+          <p:cNvSpPr>
+            <a:spLocks noGrp="1"/>
+          </p:cNvSpPr>
+          <p:nvPr>
+            <p:ph idx="1"/>
+          </p:nvPr>
+        </p:nvSpPr>
+        <p:spPr/>
+        <p:txBody>
+          <a:bodyPr>
+            <a:normAutofit/>
+          </a:bodyPr>
+          <a:lstStyle/>
+          <a:p>
+            <a:r>
+              <a:rPr lang="sv-SE" dirty="0" smtClean="0"/>
               <a:t>Milestones</a:t>
             </a:r>
-            <a:endParaRPr lang="sv-SE" dirty="0"/>
-          </a:p>
-        </p:txBody>
-      </p:sp>
-      <p:sp>
-        <p:nvSpPr>
-          <p:cNvPr id="4" name="Rectangle 3"/>
-          <p:cNvSpPr/>
-          <p:nvPr/>
-        </p:nvSpPr>
-        <p:spPr>
-          <a:xfrm>
-            <a:off x="8686800" y="6400800"/>
-            <a:ext cx="304800" cy="304800"/>
-          </a:xfrm>
-          <a:prstGeom prst="rect">
-            <a:avLst/>
-          </a:prstGeom>
-        </p:spPr>
-        <p:style>
-          <a:lnRef idx="2">
-            <a:schemeClr val="accent1">
-              <a:shade val="50000"/>
-            </a:schemeClr>
-          </a:lnRef>
-          <a:fillRef idx="1">
-            <a:schemeClr val="accent1"/>
-          </a:fillRef>
-          <a:effectRef idx="0">
-            <a:schemeClr val="accent1"/>
-          </a:effectRef>
-          <a:fontRef idx="minor">
-            <a:schemeClr val="lt1"/>
-          </a:fontRef>
-        </p:style>
-        <p:txBody>
-          <a:bodyPr rtlCol="0" anchor="ctr"/>
-          <a:lstStyle/>
-          <a:p>
-            <a:pPr algn="ctr"/>
-            <a:endParaRPr lang="sv-SE"/>
-          </a:p>
-        </p:txBody>
-      </p:sp>
-    </p:spTree>
-  </p:cSld>
-  <p:clrMapOvr>
-    <a:masterClrMapping/>
-  </p:clrMapOvr>
-  <p:timing>
-    <p:tnLst>
-      <p:par>
-        <p:cTn id="1" dur="indefinite" restart="never" nodeType="tmRoot">
-          <p:childTnLst>
-            <p:seq concurrent="1" nextAc="seek">
-              <p:cTn id="2" dur="indefinite" nodeType="mainSeq">
-                <p:childTnLst>
-                  <p:par>
-                    <p:cTn id="3" fill="hold">
-                      <p:stCondLst>
-                        <p:cond delay="indefinite"/>
-                      </p:stCondLst>
-                      <p:childTnLst>
-                        <p:par>
-                          <p:cTn id="4" fill="hold">
-                            <p:stCondLst>
-                              <p:cond delay="0"/>
-                            </p:stCondLst>
-                            <p:childTnLst>
-                              <p:par>
-                                <p:cTn id="5" presetID="1" presetClass="entr" presetSubtype="0" fill="hold" nodeType="clickEffect">
-                                  <p:stCondLst>
-                                    <p:cond delay="0"/>
-                                  </p:stCondLst>
-                                  <p:childTnLst>
-                                    <p:set>
-                                      <p:cBhvr>
-                                        <p:cTn id="6" dur="1" fill="hold">
-                                          <p:stCondLst>
-                                            <p:cond delay="0"/>
-                                          </p:stCondLst>
-                                        </p:cTn>
-                                        <p:tgtEl>
-                                          <p:spTgt spid="3">
-                                            <p:txEl>
-                                              <p:pRg st="0" end="0"/>
-                                            </p:txEl>
-                                          </p:spTgt>
-                                        </p:tgtEl>
-                                        <p:attrNameLst>
-                                          <p:attrName>style.visibility</p:attrName>
-                                        </p:attrNameLst>
-                                      </p:cBhvr>
-                                      <p:to>
-                                        <p:strVal val="visible"/>
-                                      </p:to>
-                                    </p:set>
-                                  </p:childTnLst>
-                                </p:cTn>
-                              </p:par>
-                              <p:par>
-                                <p:cTn id="7" presetID="1" presetClass="entr" presetSubtype="0" fill="hold" grpId="0" nodeType="withEffect">
-                                  <p:stCondLst>
-                                    <p:cond delay="0"/>
-                                  </p:stCondLst>
-                                  <p:childTnLst>
-                                    <p:set>
-                                      <p:cBhvr>
-                                        <p:cTn id="8" dur="1" fill="hold">
-                                          <p:stCondLst>
-                                            <p:cond delay="0"/>
-                                          </p:stCondLst>
-                                        </p:cTn>
-                                        <p:tgtEl>
-                                          <p:spTgt spid="4"/>
-                                        </p:tgtEl>
-                                        <p:attrNameLst>
-                                          <p:attrName>style.visibility</p:attrName>
-                                        </p:attrNameLst>
-                                      </p:cBhvr>
-                                      <p:to>
-                                        <p:strVal val="visible"/>
-                                      </p:to>
-                                    </p:set>
-                                  </p:childTnLst>
-                                </p:cTn>
-                              </p:par>
-                            </p:childTnLst>
-                          </p:cTn>
-                        </p:par>
-                      </p:childTnLst>
-                    </p:cTn>
-                  </p:par>
-                </p:childTnLst>
-              </p:cTn>
-              <p:prevCondLst>
-                <p:cond evt="onPrev" delay="0">
-                  <p:tgtEl>
-                    <p:sldTgt/>
-                  </p:tgtEl>
-                </p:cond>
-              </p:prevCondLst>
-              <p:nextCondLst>
-                <p:cond evt="onNext" delay="0">
-                  <p:tgtEl>
-                    <p:sldTgt/>
-                  </p:tgtEl>
-                </p:cond>
-              </p:nextCondLst>
-            </p:seq>
-          </p:childTnLst>
-        </p:cTn>
-      </p:par>
-    </p:tnLst>
-    <p:bldLst>
-      <p:bldP spid="4" grpId="0" animBg="1"/>
-    </p:bldLst>
-  </p:timing>
-</p:sld>
-</file>
-
-<file path=ppt/slides/slide6.xml><?xml version="1.0" encoding="utf-8"?>
-<p:sld xmlns:a="http://schemas.openxmlformats.org/drawingml/2006/main" xmlns:r="http://schemas.openxmlformats.org/officeDocument/2006/relationships" xmlns:p="http://schemas.openxmlformats.org/presentationml/2006/main">
-  <p:cSld>
-    <p:spTree>
-      <p:nvGrpSpPr>
-        <p:cNvPr id="1" name=""/>
-        <p:cNvGrpSpPr/>
-        <p:nvPr/>
-      </p:nvGrpSpPr>
-      <p:grpSpPr>
-        <a:xfrm>
-          <a:off x="0" y="0"/>
-          <a:ext cx="0" cy="0"/>
-          <a:chOff x="0" y="0"/>
-          <a:chExt cx="0" cy="0"/>
-        </a:xfrm>
-      </p:grpSpPr>
-      <p:sp>
-        <p:nvSpPr>
-          <p:cNvPr id="2" name="Title 1"/>
-          <p:cNvSpPr>
-            <a:spLocks noGrp="1"/>
-          </p:cNvSpPr>
-          <p:nvPr>
-            <p:ph type="title"/>
-          </p:nvPr>
-        </p:nvSpPr>
-        <p:spPr/>
-        <p:txBody>
-          <a:bodyPr/>
-          <a:lstStyle/>
-          <a:p>
+          </a:p>
+          <a:p>
+            <a:pPr lvl="1"/>
             <a:r>
               <a:rPr lang="sv-SE" dirty="0" smtClean="0"/>
-              <a:t>Results</a:t>
-            </a:r>
-            <a:endParaRPr lang="sv-SE" dirty="0"/>
-          </a:p>
-        </p:txBody>
-      </p:sp>
-      <p:sp>
-        <p:nvSpPr>
-          <p:cNvPr id="3" name="Content Placeholder 2"/>
-          <p:cNvSpPr>
-            <a:spLocks noGrp="1"/>
-          </p:cNvSpPr>
-          <p:nvPr>
-            <p:ph idx="1"/>
-          </p:nvPr>
-        </p:nvSpPr>
-        <p:spPr/>
-        <p:txBody>
-          <a:bodyPr/>
-          <a:lstStyle/>
-          <a:p>
-            <a:r>
-              <a:rPr lang="sv-SE" dirty="0" smtClean="0"/>
-              <a:t>Focus on</a:t>
-            </a:r>
-          </a:p>
-          <a:p>
-            <a:pPr lvl="1"/>
-            <a:r>
-              <a:rPr lang="sv-SE" dirty="0" smtClean="0"/>
-              <a:t>Software logic (what action are allowed when)</a:t>
+              <a:t>Prototype on breadboard with working touch screen and digital I/O</a:t>
             </a:r>
           </a:p>
           <a:p>
@@ -4615,7 +4620,7 @@
             <a:pPr lvl="1"/>
             <a:r>
               <a:rPr lang="sv-SE" dirty="0" smtClean="0"/>
-              <a:t>Finishing PCB</a:t>
+              <a:t>Prototype on breadboard with working universal PID-controller</a:t>
             </a:r>
           </a:p>
           <a:p>
@@ -4626,8 +4631,11 @@
             <a:pPr lvl="1"/>
             <a:r>
               <a:rPr lang="sv-SE" dirty="0" smtClean="0"/>
-              <a:t>Finishing PID</a:t>
-            </a:r>
+              <a:t>Finished PCB with working universal PID-controller</a:t>
+            </a:r>
+            <a:endParaRPr lang="sv-SE" dirty="0" smtClean="0"/>
+          </a:p>
+          <a:p>
             <a:endParaRPr lang="sv-SE" dirty="0"/>
           </a:p>
         </p:txBody>
@@ -4936,6 +4944,887 @@
 </p:sld>
 </file>
 
+<file path=ppt/slides/slide5.xml><?xml version="1.0" encoding="utf-8"?>
+<p:sld xmlns:a="http://schemas.openxmlformats.org/drawingml/2006/main" xmlns:r="http://schemas.openxmlformats.org/officeDocument/2006/relationships" xmlns:p="http://schemas.openxmlformats.org/presentationml/2006/main">
+  <p:cSld>
+    <p:spTree>
+      <p:nvGrpSpPr>
+        <p:cNvPr id="1" name=""/>
+        <p:cNvGrpSpPr/>
+        <p:nvPr/>
+      </p:nvGrpSpPr>
+      <p:grpSpPr>
+        <a:xfrm>
+          <a:off x="0" y="0"/>
+          <a:ext cx="0" cy="0"/>
+          <a:chOff x="0" y="0"/>
+          <a:chExt cx="0" cy="0"/>
+        </a:xfrm>
+      </p:grpSpPr>
+      <p:sp>
+        <p:nvSpPr>
+          <p:cNvPr id="2" name="Title 1"/>
+          <p:cNvSpPr>
+            <a:spLocks noGrp="1"/>
+          </p:cNvSpPr>
+          <p:nvPr>
+            <p:ph type="title"/>
+          </p:nvPr>
+        </p:nvSpPr>
+        <p:spPr/>
+        <p:txBody>
+          <a:bodyPr/>
+          <a:lstStyle/>
+          <a:p>
+            <a:r>
+              <a:rPr lang="sv-SE" dirty="0" smtClean="0"/>
+              <a:t>Development tools</a:t>
+            </a:r>
+            <a:endParaRPr lang="sv-SE" dirty="0"/>
+          </a:p>
+        </p:txBody>
+      </p:sp>
+      <p:sp>
+        <p:nvSpPr>
+          <p:cNvPr id="3" name="Content Placeholder 2"/>
+          <p:cNvSpPr>
+            <a:spLocks noGrp="1"/>
+          </p:cNvSpPr>
+          <p:nvPr>
+            <p:ph idx="1"/>
+          </p:nvPr>
+        </p:nvSpPr>
+        <p:spPr/>
+        <p:txBody>
+          <a:bodyPr>
+            <a:normAutofit fontScale="92500" lnSpcReduction="10000"/>
+          </a:bodyPr>
+          <a:lstStyle/>
+          <a:p>
+            <a:r>
+              <a:rPr lang="sv-SE" dirty="0" smtClean="0"/>
+              <a:t>AtmelStudio 7.0</a:t>
+            </a:r>
+          </a:p>
+          <a:p>
+            <a:endParaRPr lang="sv-SE" dirty="0" smtClean="0"/>
+          </a:p>
+          <a:p>
+            <a:r>
+              <a:rPr lang="sv-SE" dirty="0" smtClean="0"/>
+              <a:t>Sublime Text</a:t>
+            </a:r>
+          </a:p>
+          <a:p>
+            <a:endParaRPr lang="sv-SE" dirty="0" smtClean="0"/>
+          </a:p>
+          <a:p>
+            <a:r>
+              <a:rPr lang="sv-SE" dirty="0" smtClean="0"/>
+              <a:t>Git</a:t>
+            </a:r>
+          </a:p>
+          <a:p>
+            <a:endParaRPr lang="sv-SE" dirty="0" smtClean="0"/>
+          </a:p>
+          <a:p>
+            <a:r>
+              <a:rPr lang="sv-SE" dirty="0" smtClean="0"/>
+              <a:t>AVRDUDESS</a:t>
+            </a:r>
+          </a:p>
+          <a:p>
+            <a:endParaRPr lang="sv-SE" dirty="0" smtClean="0"/>
+          </a:p>
+          <a:p>
+            <a:r>
+              <a:rPr lang="sv-SE" dirty="0" smtClean="0"/>
+              <a:t>KiCad</a:t>
+            </a:r>
+            <a:endParaRPr lang="sv-SE" dirty="0"/>
+          </a:p>
+        </p:txBody>
+      </p:sp>
+    </p:spTree>
+  </p:cSld>
+  <p:clrMapOvr>
+    <a:masterClrMapping/>
+  </p:clrMapOvr>
+  <p:timing>
+    <p:tnLst>
+      <p:par>
+        <p:cTn id="1" dur="indefinite" restart="never" nodeType="tmRoot">
+          <p:childTnLst>
+            <p:seq concurrent="1" nextAc="seek">
+              <p:cTn id="2" dur="indefinite" nodeType="mainSeq">
+                <p:childTnLst>
+                  <p:par>
+                    <p:cTn id="3" fill="hold">
+                      <p:stCondLst>
+                        <p:cond delay="indefinite"/>
+                      </p:stCondLst>
+                      <p:childTnLst>
+                        <p:par>
+                          <p:cTn id="4" fill="hold">
+                            <p:stCondLst>
+                              <p:cond delay="0"/>
+                            </p:stCondLst>
+                            <p:childTnLst>
+                              <p:par>
+                                <p:cTn id="5" presetID="1" presetClass="entr" presetSubtype="0" fill="hold" nodeType="clickEffect">
+                                  <p:stCondLst>
+                                    <p:cond delay="0"/>
+                                  </p:stCondLst>
+                                  <p:childTnLst>
+                                    <p:set>
+                                      <p:cBhvr>
+                                        <p:cTn id="6" dur="1" fill="hold">
+                                          <p:stCondLst>
+                                            <p:cond delay="0"/>
+                                          </p:stCondLst>
+                                        </p:cTn>
+                                        <p:tgtEl>
+                                          <p:spTgt spid="3">
+                                            <p:txEl>
+                                              <p:pRg st="0" end="0"/>
+                                            </p:txEl>
+                                          </p:spTgt>
+                                        </p:tgtEl>
+                                        <p:attrNameLst>
+                                          <p:attrName>style.visibility</p:attrName>
+                                        </p:attrNameLst>
+                                      </p:cBhvr>
+                                      <p:to>
+                                        <p:strVal val="visible"/>
+                                      </p:to>
+                                    </p:set>
+                                  </p:childTnLst>
+                                </p:cTn>
+                              </p:par>
+                              <p:par>
+                                <p:cTn id="7" presetID="1" presetClass="entr" presetSubtype="0" fill="hold" nodeType="withEffect">
+                                  <p:stCondLst>
+                                    <p:cond delay="0"/>
+                                  </p:stCondLst>
+                                  <p:childTnLst>
+                                    <p:set>
+                                      <p:cBhvr>
+                                        <p:cTn id="8" dur="1" fill="hold">
+                                          <p:stCondLst>
+                                            <p:cond delay="0"/>
+                                          </p:stCondLst>
+                                        </p:cTn>
+                                        <p:tgtEl>
+                                          <p:spTgt spid="3">
+                                            <p:txEl>
+                                              <p:pRg st="2" end="2"/>
+                                            </p:txEl>
+                                          </p:spTgt>
+                                        </p:tgtEl>
+                                        <p:attrNameLst>
+                                          <p:attrName>style.visibility</p:attrName>
+                                        </p:attrNameLst>
+                                      </p:cBhvr>
+                                      <p:to>
+                                        <p:strVal val="visible"/>
+                                      </p:to>
+                                    </p:set>
+                                  </p:childTnLst>
+                                </p:cTn>
+                              </p:par>
+                              <p:par>
+                                <p:cTn id="9" presetID="1" presetClass="entr" presetSubtype="0" fill="hold" nodeType="withEffect">
+                                  <p:stCondLst>
+                                    <p:cond delay="0"/>
+                                  </p:stCondLst>
+                                  <p:childTnLst>
+                                    <p:set>
+                                      <p:cBhvr>
+                                        <p:cTn id="10" dur="1" fill="hold">
+                                          <p:stCondLst>
+                                            <p:cond delay="0"/>
+                                          </p:stCondLst>
+                                        </p:cTn>
+                                        <p:tgtEl>
+                                          <p:spTgt spid="3">
+                                            <p:txEl>
+                                              <p:pRg st="4" end="4"/>
+                                            </p:txEl>
+                                          </p:spTgt>
+                                        </p:tgtEl>
+                                        <p:attrNameLst>
+                                          <p:attrName>style.visibility</p:attrName>
+                                        </p:attrNameLst>
+                                      </p:cBhvr>
+                                      <p:to>
+                                        <p:strVal val="visible"/>
+                                      </p:to>
+                                    </p:set>
+                                  </p:childTnLst>
+                                </p:cTn>
+                              </p:par>
+                              <p:par>
+                                <p:cTn id="11" presetID="1" presetClass="entr" presetSubtype="0" fill="hold" nodeType="withEffect">
+                                  <p:stCondLst>
+                                    <p:cond delay="0"/>
+                                  </p:stCondLst>
+                                  <p:childTnLst>
+                                    <p:set>
+                                      <p:cBhvr>
+                                        <p:cTn id="12" dur="1" fill="hold">
+                                          <p:stCondLst>
+                                            <p:cond delay="0"/>
+                                          </p:stCondLst>
+                                        </p:cTn>
+                                        <p:tgtEl>
+                                          <p:spTgt spid="3">
+                                            <p:txEl>
+                                              <p:pRg st="6" end="6"/>
+                                            </p:txEl>
+                                          </p:spTgt>
+                                        </p:tgtEl>
+                                        <p:attrNameLst>
+                                          <p:attrName>style.visibility</p:attrName>
+                                        </p:attrNameLst>
+                                      </p:cBhvr>
+                                      <p:to>
+                                        <p:strVal val="visible"/>
+                                      </p:to>
+                                    </p:set>
+                                  </p:childTnLst>
+                                </p:cTn>
+                              </p:par>
+                              <p:par>
+                                <p:cTn id="13" presetID="1" presetClass="entr" presetSubtype="0" fill="hold" nodeType="withEffect">
+                                  <p:stCondLst>
+                                    <p:cond delay="0"/>
+                                  </p:stCondLst>
+                                  <p:childTnLst>
+                                    <p:set>
+                                      <p:cBhvr>
+                                        <p:cTn id="14" dur="1" fill="hold">
+                                          <p:stCondLst>
+                                            <p:cond delay="0"/>
+                                          </p:stCondLst>
+                                        </p:cTn>
+                                        <p:tgtEl>
+                                          <p:spTgt spid="3">
+                                            <p:txEl>
+                                              <p:pRg st="8" end="8"/>
+                                            </p:txEl>
+                                          </p:spTgt>
+                                        </p:tgtEl>
+                                        <p:attrNameLst>
+                                          <p:attrName>style.visibility</p:attrName>
+                                        </p:attrNameLst>
+                                      </p:cBhvr>
+                                      <p:to>
+                                        <p:strVal val="visible"/>
+                                      </p:to>
+                                    </p:set>
+                                  </p:childTnLst>
+                                </p:cTn>
+                              </p:par>
+                            </p:childTnLst>
+                          </p:cTn>
+                        </p:par>
+                      </p:childTnLst>
+                    </p:cTn>
+                  </p:par>
+                </p:childTnLst>
+              </p:cTn>
+              <p:prevCondLst>
+                <p:cond evt="onPrev" delay="0">
+                  <p:tgtEl>
+                    <p:sldTgt/>
+                  </p:tgtEl>
+                </p:cond>
+              </p:prevCondLst>
+              <p:nextCondLst>
+                <p:cond evt="onNext" delay="0">
+                  <p:tgtEl>
+                    <p:sldTgt/>
+                  </p:tgtEl>
+                </p:cond>
+              </p:nextCondLst>
+            </p:seq>
+          </p:childTnLst>
+        </p:cTn>
+      </p:par>
+    </p:tnLst>
+  </p:timing>
+</p:sld>
+</file>
+
+<file path=ppt/slides/slide6.xml><?xml version="1.0" encoding="utf-8"?>
+<p:sld xmlns:a="http://schemas.openxmlformats.org/drawingml/2006/main" xmlns:r="http://schemas.openxmlformats.org/officeDocument/2006/relationships" xmlns:p="http://schemas.openxmlformats.org/presentationml/2006/main">
+  <p:cSld>
+    <p:spTree>
+      <p:nvGrpSpPr>
+        <p:cNvPr id="1" name=""/>
+        <p:cNvGrpSpPr/>
+        <p:nvPr/>
+      </p:nvGrpSpPr>
+      <p:grpSpPr>
+        <a:xfrm>
+          <a:off x="0" y="0"/>
+          <a:ext cx="0" cy="0"/>
+          <a:chOff x="0" y="0"/>
+          <a:chExt cx="0" cy="0"/>
+        </a:xfrm>
+      </p:grpSpPr>
+      <p:sp>
+        <p:nvSpPr>
+          <p:cNvPr id="2" name="Title 1"/>
+          <p:cNvSpPr>
+            <a:spLocks noGrp="1"/>
+          </p:cNvSpPr>
+          <p:nvPr>
+            <p:ph type="title"/>
+          </p:nvPr>
+        </p:nvSpPr>
+        <p:spPr/>
+        <p:txBody>
+          <a:bodyPr/>
+          <a:lstStyle/>
+          <a:p>
+            <a:r>
+              <a:rPr lang="sv-SE" dirty="0" smtClean="0"/>
+              <a:t>Work</a:t>
+            </a:r>
+            <a:endParaRPr lang="sv-SE" dirty="0"/>
+          </a:p>
+        </p:txBody>
+      </p:sp>
+      <p:sp>
+        <p:nvSpPr>
+          <p:cNvPr id="3" name="Content Placeholder 2"/>
+          <p:cNvSpPr>
+            <a:spLocks noGrp="1"/>
+          </p:cNvSpPr>
+          <p:nvPr>
+            <p:ph idx="1"/>
+          </p:nvPr>
+        </p:nvSpPr>
+        <p:spPr/>
+        <p:txBody>
+          <a:bodyPr/>
+          <a:lstStyle/>
+          <a:p>
+            <a:r>
+              <a:rPr lang="sv-SE" dirty="0" smtClean="0"/>
+              <a:t>Software</a:t>
+            </a:r>
+          </a:p>
+          <a:p>
+            <a:pPr lvl="1"/>
+            <a:r>
+              <a:rPr lang="sv-SE" dirty="0" smtClean="0"/>
+              <a:t>Microcontroller</a:t>
+            </a:r>
+          </a:p>
+          <a:p>
+            <a:pPr lvl="1"/>
+            <a:r>
+              <a:rPr lang="sv-SE" dirty="0" smtClean="0"/>
+              <a:t>Touch screen display</a:t>
+            </a:r>
+          </a:p>
+          <a:p>
+            <a:pPr lvl="1"/>
+            <a:r>
+              <a:rPr lang="sv-SE" dirty="0" smtClean="0"/>
+              <a:t>Touch screen touch interface</a:t>
+            </a:r>
+          </a:p>
+          <a:p>
+            <a:pPr lvl="2"/>
+            <a:r>
+              <a:rPr lang="sv-SE" dirty="0" smtClean="0"/>
+              <a:t>Polling</a:t>
+            </a:r>
+          </a:p>
+          <a:p>
+            <a:pPr lvl="1"/>
+            <a:r>
+              <a:rPr lang="sv-SE" dirty="0" smtClean="0"/>
+              <a:t>GUI</a:t>
+            </a:r>
+          </a:p>
+          <a:p>
+            <a:pPr lvl="1"/>
+            <a:r>
+              <a:rPr lang="sv-SE" dirty="0" smtClean="0"/>
+              <a:t>Controls</a:t>
+            </a:r>
+          </a:p>
+          <a:p>
+            <a:pPr lvl="2"/>
+            <a:r>
+              <a:rPr lang="sv-SE" dirty="0" smtClean="0"/>
+              <a:t>Binary search</a:t>
+            </a:r>
+          </a:p>
+          <a:p>
+            <a:pPr lvl="1"/>
+            <a:r>
+              <a:rPr lang="sv-SE" dirty="0" smtClean="0"/>
+              <a:t>PID-controller</a:t>
+            </a:r>
+          </a:p>
+          <a:p>
+            <a:pPr lvl="1"/>
+            <a:endParaRPr lang="sv-SE" dirty="0" smtClean="0"/>
+          </a:p>
+          <a:p>
+            <a:pPr lvl="1"/>
+            <a:endParaRPr lang="sv-SE" dirty="0"/>
+          </a:p>
+        </p:txBody>
+      </p:sp>
+    </p:spTree>
+  </p:cSld>
+  <p:clrMapOvr>
+    <a:masterClrMapping/>
+  </p:clrMapOvr>
+  <p:timing>
+    <p:tnLst>
+      <p:par>
+        <p:cTn id="1" dur="indefinite" restart="never" nodeType="tmRoot">
+          <p:childTnLst>
+            <p:seq concurrent="1" nextAc="seek">
+              <p:cTn id="2" dur="indefinite" nodeType="mainSeq">
+                <p:childTnLst>
+                  <p:par>
+                    <p:cTn id="3" fill="hold">
+                      <p:stCondLst>
+                        <p:cond delay="indefinite"/>
+                      </p:stCondLst>
+                      <p:childTnLst>
+                        <p:par>
+                          <p:cTn id="4" fill="hold">
+                            <p:stCondLst>
+                              <p:cond delay="0"/>
+                            </p:stCondLst>
+                            <p:childTnLst>
+                              <p:par>
+                                <p:cTn id="5" presetID="1" presetClass="entr" presetSubtype="0" fill="hold" nodeType="clickEffect">
+                                  <p:stCondLst>
+                                    <p:cond delay="0"/>
+                                  </p:stCondLst>
+                                  <p:childTnLst>
+                                    <p:set>
+                                      <p:cBhvr>
+                                        <p:cTn id="6" dur="1" fill="hold">
+                                          <p:stCondLst>
+                                            <p:cond delay="0"/>
+                                          </p:stCondLst>
+                                        </p:cTn>
+                                        <p:tgtEl>
+                                          <p:spTgt spid="3">
+                                            <p:txEl>
+                                              <p:pRg st="0" end="0"/>
+                                            </p:txEl>
+                                          </p:spTgt>
+                                        </p:tgtEl>
+                                        <p:attrNameLst>
+                                          <p:attrName>style.visibility</p:attrName>
+                                        </p:attrNameLst>
+                                      </p:cBhvr>
+                                      <p:to>
+                                        <p:strVal val="visible"/>
+                                      </p:to>
+                                    </p:set>
+                                  </p:childTnLst>
+                                </p:cTn>
+                              </p:par>
+                            </p:childTnLst>
+                          </p:cTn>
+                        </p:par>
+                      </p:childTnLst>
+                    </p:cTn>
+                  </p:par>
+                  <p:par>
+                    <p:cTn id="7" fill="hold">
+                      <p:stCondLst>
+                        <p:cond delay="indefinite"/>
+                      </p:stCondLst>
+                      <p:childTnLst>
+                        <p:par>
+                          <p:cTn id="8" fill="hold">
+                            <p:stCondLst>
+                              <p:cond delay="0"/>
+                            </p:stCondLst>
+                            <p:childTnLst>
+                              <p:par>
+                                <p:cTn id="9" presetID="1" presetClass="entr" presetSubtype="0" fill="hold" nodeType="clickEffect">
+                                  <p:stCondLst>
+                                    <p:cond delay="0"/>
+                                  </p:stCondLst>
+                                  <p:childTnLst>
+                                    <p:set>
+                                      <p:cBhvr>
+                                        <p:cTn id="10" dur="1" fill="hold">
+                                          <p:stCondLst>
+                                            <p:cond delay="0"/>
+                                          </p:stCondLst>
+                                        </p:cTn>
+                                        <p:tgtEl>
+                                          <p:spTgt spid="3">
+                                            <p:txEl>
+                                              <p:pRg st="1" end="1"/>
+                                            </p:txEl>
+                                          </p:spTgt>
+                                        </p:tgtEl>
+                                        <p:attrNameLst>
+                                          <p:attrName>style.visibility</p:attrName>
+                                        </p:attrNameLst>
+                                      </p:cBhvr>
+                                      <p:to>
+                                        <p:strVal val="visible"/>
+                                      </p:to>
+                                    </p:set>
+                                  </p:childTnLst>
+                                </p:cTn>
+                              </p:par>
+                            </p:childTnLst>
+                          </p:cTn>
+                        </p:par>
+                      </p:childTnLst>
+                    </p:cTn>
+                  </p:par>
+                  <p:par>
+                    <p:cTn id="11" fill="hold">
+                      <p:stCondLst>
+                        <p:cond delay="indefinite"/>
+                      </p:stCondLst>
+                      <p:childTnLst>
+                        <p:par>
+                          <p:cTn id="12" fill="hold">
+                            <p:stCondLst>
+                              <p:cond delay="0"/>
+                            </p:stCondLst>
+                            <p:childTnLst>
+                              <p:par>
+                                <p:cTn id="13" presetID="1" presetClass="entr" presetSubtype="0" fill="hold" nodeType="clickEffect">
+                                  <p:stCondLst>
+                                    <p:cond delay="0"/>
+                                  </p:stCondLst>
+                                  <p:childTnLst>
+                                    <p:set>
+                                      <p:cBhvr>
+                                        <p:cTn id="14" dur="1" fill="hold">
+                                          <p:stCondLst>
+                                            <p:cond delay="0"/>
+                                          </p:stCondLst>
+                                        </p:cTn>
+                                        <p:tgtEl>
+                                          <p:spTgt spid="3">
+                                            <p:txEl>
+                                              <p:pRg st="2" end="2"/>
+                                            </p:txEl>
+                                          </p:spTgt>
+                                        </p:tgtEl>
+                                        <p:attrNameLst>
+                                          <p:attrName>style.visibility</p:attrName>
+                                        </p:attrNameLst>
+                                      </p:cBhvr>
+                                      <p:to>
+                                        <p:strVal val="visible"/>
+                                      </p:to>
+                                    </p:set>
+                                  </p:childTnLst>
+                                </p:cTn>
+                              </p:par>
+                            </p:childTnLst>
+                          </p:cTn>
+                        </p:par>
+                      </p:childTnLst>
+                    </p:cTn>
+                  </p:par>
+                  <p:par>
+                    <p:cTn id="15" fill="hold">
+                      <p:stCondLst>
+                        <p:cond delay="indefinite"/>
+                      </p:stCondLst>
+                      <p:childTnLst>
+                        <p:par>
+                          <p:cTn id="16" fill="hold">
+                            <p:stCondLst>
+                              <p:cond delay="0"/>
+                            </p:stCondLst>
+                            <p:childTnLst>
+                              <p:par>
+                                <p:cTn id="17" presetID="1" presetClass="entr" presetSubtype="0" fill="hold" nodeType="clickEffect">
+                                  <p:stCondLst>
+                                    <p:cond delay="0"/>
+                                  </p:stCondLst>
+                                  <p:childTnLst>
+                                    <p:set>
+                                      <p:cBhvr>
+                                        <p:cTn id="18" dur="1" fill="hold">
+                                          <p:stCondLst>
+                                            <p:cond delay="0"/>
+                                          </p:stCondLst>
+                                        </p:cTn>
+                                        <p:tgtEl>
+                                          <p:spTgt spid="3">
+                                            <p:txEl>
+                                              <p:pRg st="3" end="3"/>
+                                            </p:txEl>
+                                          </p:spTgt>
+                                        </p:tgtEl>
+                                        <p:attrNameLst>
+                                          <p:attrName>style.visibility</p:attrName>
+                                        </p:attrNameLst>
+                                      </p:cBhvr>
+                                      <p:to>
+                                        <p:strVal val="visible"/>
+                                      </p:to>
+                                    </p:set>
+                                  </p:childTnLst>
+                                </p:cTn>
+                              </p:par>
+                              <p:par>
+                                <p:cTn id="19" presetID="1" presetClass="entr" presetSubtype="0" fill="hold" nodeType="withEffect">
+                                  <p:stCondLst>
+                                    <p:cond delay="0"/>
+                                  </p:stCondLst>
+                                  <p:childTnLst>
+                                    <p:set>
+                                      <p:cBhvr>
+                                        <p:cTn id="20" dur="1" fill="hold">
+                                          <p:stCondLst>
+                                            <p:cond delay="0"/>
+                                          </p:stCondLst>
+                                        </p:cTn>
+                                        <p:tgtEl>
+                                          <p:spTgt spid="3">
+                                            <p:txEl>
+                                              <p:pRg st="4" end="4"/>
+                                            </p:txEl>
+                                          </p:spTgt>
+                                        </p:tgtEl>
+                                        <p:attrNameLst>
+                                          <p:attrName>style.visibility</p:attrName>
+                                        </p:attrNameLst>
+                                      </p:cBhvr>
+                                      <p:to>
+                                        <p:strVal val="visible"/>
+                                      </p:to>
+                                    </p:set>
+                                  </p:childTnLst>
+                                </p:cTn>
+                              </p:par>
+                            </p:childTnLst>
+                          </p:cTn>
+                        </p:par>
+                      </p:childTnLst>
+                    </p:cTn>
+                  </p:par>
+                  <p:par>
+                    <p:cTn id="21" fill="hold">
+                      <p:stCondLst>
+                        <p:cond delay="indefinite"/>
+                      </p:stCondLst>
+                      <p:childTnLst>
+                        <p:par>
+                          <p:cTn id="22" fill="hold">
+                            <p:stCondLst>
+                              <p:cond delay="0"/>
+                            </p:stCondLst>
+                            <p:childTnLst>
+                              <p:par>
+                                <p:cTn id="23" presetID="1" presetClass="entr" presetSubtype="0" fill="hold" nodeType="clickEffect">
+                                  <p:stCondLst>
+                                    <p:cond delay="0"/>
+                                  </p:stCondLst>
+                                  <p:childTnLst>
+                                    <p:set>
+                                      <p:cBhvr>
+                                        <p:cTn id="24" dur="1" fill="hold">
+                                          <p:stCondLst>
+                                            <p:cond delay="0"/>
+                                          </p:stCondLst>
+                                        </p:cTn>
+                                        <p:tgtEl>
+                                          <p:spTgt spid="3">
+                                            <p:txEl>
+                                              <p:pRg st="5" end="5"/>
+                                            </p:txEl>
+                                          </p:spTgt>
+                                        </p:tgtEl>
+                                        <p:attrNameLst>
+                                          <p:attrName>style.visibility</p:attrName>
+                                        </p:attrNameLst>
+                                      </p:cBhvr>
+                                      <p:to>
+                                        <p:strVal val="visible"/>
+                                      </p:to>
+                                    </p:set>
+                                  </p:childTnLst>
+                                </p:cTn>
+                              </p:par>
+                            </p:childTnLst>
+                          </p:cTn>
+                        </p:par>
+                      </p:childTnLst>
+                    </p:cTn>
+                  </p:par>
+                  <p:par>
+                    <p:cTn id="25" fill="hold">
+                      <p:stCondLst>
+                        <p:cond delay="indefinite"/>
+                      </p:stCondLst>
+                      <p:childTnLst>
+                        <p:par>
+                          <p:cTn id="26" fill="hold">
+                            <p:stCondLst>
+                              <p:cond delay="0"/>
+                            </p:stCondLst>
+                            <p:childTnLst>
+                              <p:par>
+                                <p:cTn id="27" presetID="1" presetClass="entr" presetSubtype="0" fill="hold" nodeType="clickEffect">
+                                  <p:stCondLst>
+                                    <p:cond delay="0"/>
+                                  </p:stCondLst>
+                                  <p:childTnLst>
+                                    <p:set>
+                                      <p:cBhvr>
+                                        <p:cTn id="28" dur="1" fill="hold">
+                                          <p:stCondLst>
+                                            <p:cond delay="0"/>
+                                          </p:stCondLst>
+                                        </p:cTn>
+                                        <p:tgtEl>
+                                          <p:spTgt spid="3">
+                                            <p:txEl>
+                                              <p:pRg st="6" end="6"/>
+                                            </p:txEl>
+                                          </p:spTgt>
+                                        </p:tgtEl>
+                                        <p:attrNameLst>
+                                          <p:attrName>style.visibility</p:attrName>
+                                        </p:attrNameLst>
+                                      </p:cBhvr>
+                                      <p:to>
+                                        <p:strVal val="visible"/>
+                                      </p:to>
+                                    </p:set>
+                                  </p:childTnLst>
+                                </p:cTn>
+                              </p:par>
+                              <p:par>
+                                <p:cTn id="29" presetID="1" presetClass="entr" presetSubtype="0" fill="hold" nodeType="withEffect">
+                                  <p:stCondLst>
+                                    <p:cond delay="0"/>
+                                  </p:stCondLst>
+                                  <p:childTnLst>
+                                    <p:set>
+                                      <p:cBhvr>
+                                        <p:cTn id="30" dur="1" fill="hold">
+                                          <p:stCondLst>
+                                            <p:cond delay="0"/>
+                                          </p:stCondLst>
+                                        </p:cTn>
+                                        <p:tgtEl>
+                                          <p:spTgt spid="3">
+                                            <p:txEl>
+                                              <p:pRg st="7" end="7"/>
+                                            </p:txEl>
+                                          </p:spTgt>
+                                        </p:tgtEl>
+                                        <p:attrNameLst>
+                                          <p:attrName>style.visibility</p:attrName>
+                                        </p:attrNameLst>
+                                      </p:cBhvr>
+                                      <p:to>
+                                        <p:strVal val="visible"/>
+                                      </p:to>
+                                    </p:set>
+                                  </p:childTnLst>
+                                </p:cTn>
+                              </p:par>
+                            </p:childTnLst>
+                          </p:cTn>
+                        </p:par>
+                      </p:childTnLst>
+                    </p:cTn>
+                  </p:par>
+                  <p:par>
+                    <p:cTn id="31" fill="hold">
+                      <p:stCondLst>
+                        <p:cond delay="indefinite"/>
+                      </p:stCondLst>
+                      <p:childTnLst>
+                        <p:par>
+                          <p:cTn id="32" fill="hold">
+                            <p:stCondLst>
+                              <p:cond delay="0"/>
+                            </p:stCondLst>
+                            <p:childTnLst>
+                              <p:par>
+                                <p:cTn id="33" presetID="1" presetClass="entr" presetSubtype="0" fill="hold" nodeType="clickEffect">
+                                  <p:stCondLst>
+                                    <p:cond delay="0"/>
+                                  </p:stCondLst>
+                                  <p:childTnLst>
+                                    <p:set>
+                                      <p:cBhvr>
+                                        <p:cTn id="34" dur="1" fill="hold">
+                                          <p:stCondLst>
+                                            <p:cond delay="0"/>
+                                          </p:stCondLst>
+                                        </p:cTn>
+                                        <p:tgtEl>
+                                          <p:spTgt spid="3">
+                                            <p:txEl>
+                                              <p:pRg st="8" end="8"/>
+                                            </p:txEl>
+                                          </p:spTgt>
+                                        </p:tgtEl>
+                                        <p:attrNameLst>
+                                          <p:attrName>style.visibility</p:attrName>
+                                        </p:attrNameLst>
+                                      </p:cBhvr>
+                                      <p:to>
+                                        <p:strVal val="visible"/>
+                                      </p:to>
+                                    </p:set>
+                                  </p:childTnLst>
+                                </p:cTn>
+                              </p:par>
+                            </p:childTnLst>
+                          </p:cTn>
+                        </p:par>
+                      </p:childTnLst>
+                    </p:cTn>
+                  </p:par>
+                </p:childTnLst>
+              </p:cTn>
+              <p:prevCondLst>
+                <p:cond evt="onPrev" delay="0">
+                  <p:tgtEl>
+                    <p:sldTgt/>
+                  </p:tgtEl>
+                </p:cond>
+              </p:prevCondLst>
+              <p:nextCondLst>
+                <p:cond evt="onNext" delay="0">
+                  <p:tgtEl>
+                    <p:sldTgt/>
+                  </p:tgtEl>
+                </p:cond>
+              </p:nextCondLst>
+            </p:seq>
+          </p:childTnLst>
+        </p:cTn>
+      </p:par>
+    </p:tnLst>
+  </p:timing>
+</p:sld>
+</file>
+
 <file path=ppt/slides/slide7.xml><?xml version="1.0" encoding="utf-8"?>
 <p:sld xmlns:a="http://schemas.openxmlformats.org/drawingml/2006/main" xmlns:r="http://schemas.openxmlformats.org/officeDocument/2006/relationships" xmlns:p="http://schemas.openxmlformats.org/presentationml/2006/main">
   <p:cSld>
@@ -4970,7 +5859,7 @@
           <a:p>
             <a:r>
               <a:rPr lang="sv-SE" dirty="0" smtClean="0"/>
-              <a:t>Demonstration</a:t>
+              <a:t>Work</a:t>
             </a:r>
             <a:endParaRPr lang="sv-SE" dirty="0"/>
           </a:p>
@@ -4988,18 +5877,761 @@
         </p:nvSpPr>
         <p:spPr/>
         <p:txBody>
-          <a:bodyPr/>
-          <a:lstStyle/>
-          <a:p>
+          <a:bodyPr>
+            <a:normAutofit/>
+          </a:bodyPr>
+          <a:lstStyle/>
+          <a:p>
+            <a:r>
+              <a:rPr lang="sv-SE" dirty="0" smtClean="0"/>
+              <a:t>Prototype</a:t>
+            </a:r>
+            <a:endParaRPr lang="sv-SE" dirty="0"/>
+          </a:p>
+        </p:txBody>
+      </p:sp>
+      <p:sp>
+        <p:nvSpPr>
+          <p:cNvPr id="4" name="Rectangle 3"/>
+          <p:cNvSpPr/>
+          <p:nvPr/>
+        </p:nvSpPr>
+        <p:spPr>
+          <a:xfrm>
+            <a:off x="8686800" y="6400800"/>
+            <a:ext cx="304800" cy="304800"/>
+          </a:xfrm>
+          <a:prstGeom prst="rect">
+            <a:avLst/>
+          </a:prstGeom>
+        </p:spPr>
+        <p:style>
+          <a:lnRef idx="2">
+            <a:schemeClr val="accent1">
+              <a:shade val="50000"/>
+            </a:schemeClr>
+          </a:lnRef>
+          <a:fillRef idx="1">
+            <a:schemeClr val="accent1"/>
+          </a:fillRef>
+          <a:effectRef idx="0">
+            <a:schemeClr val="accent1"/>
+          </a:effectRef>
+          <a:fontRef idx="minor">
+            <a:schemeClr val="lt1"/>
+          </a:fontRef>
+        </p:style>
+        <p:txBody>
+          <a:bodyPr rtlCol="0" anchor="ctr"/>
+          <a:lstStyle/>
+          <a:p>
+            <a:pPr algn="ctr"/>
             <a:endParaRPr lang="sv-SE"/>
           </a:p>
         </p:txBody>
       </p:sp>
+      <p:pic>
+        <p:nvPicPr>
+          <p:cNvPr id="2050" name="Picture 2" descr="C:\Users\Simon\Documents\Universitet\Projekt-i-inbyggda-system\Images\Prototype.jpg"/>
+          <p:cNvPicPr>
+            <a:picLocks noChangeAspect="1" noChangeArrowheads="1"/>
+          </p:cNvPicPr>
+          <p:nvPr/>
+        </p:nvPicPr>
+        <p:blipFill>
+          <a:blip r:embed="rId2" cstate="print"/>
+          <a:srcRect/>
+          <a:stretch>
+            <a:fillRect/>
+          </a:stretch>
+        </p:blipFill>
+        <p:spPr bwMode="auto">
+          <a:xfrm>
+            <a:off x="990600" y="2209800"/>
+            <a:ext cx="5331762" cy="4000778"/>
+          </a:xfrm>
+          <a:prstGeom prst="rect">
+            <a:avLst/>
+          </a:prstGeom>
+          <a:noFill/>
+        </p:spPr>
+      </p:pic>
     </p:spTree>
   </p:cSld>
   <p:clrMapOvr>
     <a:masterClrMapping/>
   </p:clrMapOvr>
+  <p:timing>
+    <p:tnLst>
+      <p:par>
+        <p:cTn id="1" dur="indefinite" restart="never" nodeType="tmRoot"/>
+      </p:par>
+    </p:tnLst>
+  </p:timing>
+</p:sld>
+</file>
+
+<file path=ppt/slides/slide8.xml><?xml version="1.0" encoding="utf-8"?>
+<p:sld xmlns:a="http://schemas.openxmlformats.org/drawingml/2006/main" xmlns:r="http://schemas.openxmlformats.org/officeDocument/2006/relationships" xmlns:p="http://schemas.openxmlformats.org/presentationml/2006/main">
+  <p:cSld>
+    <p:spTree>
+      <p:nvGrpSpPr>
+        <p:cNvPr id="1" name=""/>
+        <p:cNvGrpSpPr/>
+        <p:nvPr/>
+      </p:nvGrpSpPr>
+      <p:grpSpPr>
+        <a:xfrm>
+          <a:off x="0" y="0"/>
+          <a:ext cx="0" cy="0"/>
+          <a:chOff x="0" y="0"/>
+          <a:chExt cx="0" cy="0"/>
+        </a:xfrm>
+      </p:grpSpPr>
+      <p:sp>
+        <p:nvSpPr>
+          <p:cNvPr id="2" name="Title 1"/>
+          <p:cNvSpPr>
+            <a:spLocks noGrp="1"/>
+          </p:cNvSpPr>
+          <p:nvPr>
+            <p:ph type="title"/>
+          </p:nvPr>
+        </p:nvSpPr>
+        <p:spPr/>
+        <p:txBody>
+          <a:bodyPr/>
+          <a:lstStyle/>
+          <a:p>
+            <a:r>
+              <a:rPr lang="sv-SE" dirty="0" smtClean="0"/>
+              <a:t>Work</a:t>
+            </a:r>
+            <a:endParaRPr lang="sv-SE" dirty="0"/>
+          </a:p>
+        </p:txBody>
+      </p:sp>
+      <p:sp>
+        <p:nvSpPr>
+          <p:cNvPr id="3" name="Content Placeholder 2"/>
+          <p:cNvSpPr>
+            <a:spLocks noGrp="1"/>
+          </p:cNvSpPr>
+          <p:nvPr>
+            <p:ph idx="1"/>
+          </p:nvPr>
+        </p:nvSpPr>
+        <p:spPr/>
+        <p:txBody>
+          <a:bodyPr/>
+          <a:lstStyle/>
+          <a:p>
+            <a:r>
+              <a:rPr lang="sv-SE" dirty="0" smtClean="0"/>
+              <a:t>PCB design</a:t>
+            </a:r>
+          </a:p>
+          <a:p>
+            <a:pPr lvl="1"/>
+            <a:r>
+              <a:rPr lang="sv-SE" dirty="0" smtClean="0"/>
+              <a:t>Datasheets</a:t>
+            </a:r>
+          </a:p>
+          <a:p>
+            <a:pPr lvl="1"/>
+            <a:r>
+              <a:rPr lang="sv-SE" dirty="0" smtClean="0"/>
+              <a:t>Footprints</a:t>
+            </a:r>
+            <a:endParaRPr lang="sv-SE" dirty="0" smtClean="0"/>
+          </a:p>
+          <a:p>
+            <a:pPr>
+              <a:buNone/>
+            </a:pPr>
+            <a:endParaRPr lang="sv-SE" dirty="0" smtClean="0"/>
+          </a:p>
+          <a:p>
+            <a:pPr>
+              <a:buNone/>
+            </a:pPr>
+            <a:endParaRPr lang="sv-SE" dirty="0" smtClean="0"/>
+          </a:p>
+          <a:p>
+            <a:r>
+              <a:rPr lang="sv-SE" dirty="0" smtClean="0"/>
+              <a:t>KiCad</a:t>
+            </a:r>
+            <a:endParaRPr lang="sv-SE" dirty="0"/>
+          </a:p>
+        </p:txBody>
+      </p:sp>
+    </p:spTree>
+  </p:cSld>
+  <p:clrMapOvr>
+    <a:masterClrMapping/>
+  </p:clrMapOvr>
+  <p:timing>
+    <p:tnLst>
+      <p:par>
+        <p:cTn id="1" dur="indefinite" restart="never" nodeType="tmRoot">
+          <p:childTnLst>
+            <p:seq concurrent="1" nextAc="seek">
+              <p:cTn id="2" dur="indefinite" nodeType="mainSeq">
+                <p:childTnLst>
+                  <p:par>
+                    <p:cTn id="3" fill="hold">
+                      <p:stCondLst>
+                        <p:cond delay="indefinite"/>
+                      </p:stCondLst>
+                      <p:childTnLst>
+                        <p:par>
+                          <p:cTn id="4" fill="hold">
+                            <p:stCondLst>
+                              <p:cond delay="0"/>
+                            </p:stCondLst>
+                            <p:childTnLst>
+                              <p:par>
+                                <p:cTn id="5" presetID="1" presetClass="entr" presetSubtype="0" fill="hold" nodeType="clickEffect">
+                                  <p:stCondLst>
+                                    <p:cond delay="0"/>
+                                  </p:stCondLst>
+                                  <p:childTnLst>
+                                    <p:set>
+                                      <p:cBhvr>
+                                        <p:cTn id="6" dur="1" fill="hold">
+                                          <p:stCondLst>
+                                            <p:cond delay="0"/>
+                                          </p:stCondLst>
+                                        </p:cTn>
+                                        <p:tgtEl>
+                                          <p:spTgt spid="3">
+                                            <p:txEl>
+                                              <p:pRg st="0" end="0"/>
+                                            </p:txEl>
+                                          </p:spTgt>
+                                        </p:tgtEl>
+                                        <p:attrNameLst>
+                                          <p:attrName>style.visibility</p:attrName>
+                                        </p:attrNameLst>
+                                      </p:cBhvr>
+                                      <p:to>
+                                        <p:strVal val="visible"/>
+                                      </p:to>
+                                    </p:set>
+                                  </p:childTnLst>
+                                </p:cTn>
+                              </p:par>
+                              <p:par>
+                                <p:cTn id="7" presetID="1" presetClass="entr" presetSubtype="0" fill="hold" nodeType="withEffect">
+                                  <p:stCondLst>
+                                    <p:cond delay="0"/>
+                                  </p:stCondLst>
+                                  <p:childTnLst>
+                                    <p:set>
+                                      <p:cBhvr>
+                                        <p:cTn id="8" dur="1" fill="hold">
+                                          <p:stCondLst>
+                                            <p:cond delay="0"/>
+                                          </p:stCondLst>
+                                        </p:cTn>
+                                        <p:tgtEl>
+                                          <p:spTgt spid="3">
+                                            <p:txEl>
+                                              <p:pRg st="1" end="1"/>
+                                            </p:txEl>
+                                          </p:spTgt>
+                                        </p:tgtEl>
+                                        <p:attrNameLst>
+                                          <p:attrName>style.visibility</p:attrName>
+                                        </p:attrNameLst>
+                                      </p:cBhvr>
+                                      <p:to>
+                                        <p:strVal val="visible"/>
+                                      </p:to>
+                                    </p:set>
+                                  </p:childTnLst>
+                                </p:cTn>
+                              </p:par>
+                              <p:par>
+                                <p:cTn id="9" presetID="1" presetClass="entr" presetSubtype="0" fill="hold" nodeType="withEffect">
+                                  <p:stCondLst>
+                                    <p:cond delay="0"/>
+                                  </p:stCondLst>
+                                  <p:childTnLst>
+                                    <p:set>
+                                      <p:cBhvr>
+                                        <p:cTn id="10" dur="1" fill="hold">
+                                          <p:stCondLst>
+                                            <p:cond delay="0"/>
+                                          </p:stCondLst>
+                                        </p:cTn>
+                                        <p:tgtEl>
+                                          <p:spTgt spid="3">
+                                            <p:txEl>
+                                              <p:pRg st="2" end="2"/>
+                                            </p:txEl>
+                                          </p:spTgt>
+                                        </p:tgtEl>
+                                        <p:attrNameLst>
+                                          <p:attrName>style.visibility</p:attrName>
+                                        </p:attrNameLst>
+                                      </p:cBhvr>
+                                      <p:to>
+                                        <p:strVal val="visible"/>
+                                      </p:to>
+                                    </p:set>
+                                  </p:childTnLst>
+                                </p:cTn>
+                              </p:par>
+                            </p:childTnLst>
+                          </p:cTn>
+                        </p:par>
+                      </p:childTnLst>
+                    </p:cTn>
+                  </p:par>
+                  <p:par>
+                    <p:cTn id="11" fill="hold">
+                      <p:stCondLst>
+                        <p:cond delay="indefinite"/>
+                      </p:stCondLst>
+                      <p:childTnLst>
+                        <p:par>
+                          <p:cTn id="12" fill="hold">
+                            <p:stCondLst>
+                              <p:cond delay="0"/>
+                            </p:stCondLst>
+                            <p:childTnLst>
+                              <p:par>
+                                <p:cTn id="13" presetID="1" presetClass="entr" presetSubtype="0" fill="hold" nodeType="clickEffect">
+                                  <p:stCondLst>
+                                    <p:cond delay="0"/>
+                                  </p:stCondLst>
+                                  <p:childTnLst>
+                                    <p:set>
+                                      <p:cBhvr>
+                                        <p:cTn id="14" dur="1" fill="hold">
+                                          <p:stCondLst>
+                                            <p:cond delay="0"/>
+                                          </p:stCondLst>
+                                        </p:cTn>
+                                        <p:tgtEl>
+                                          <p:spTgt spid="3">
+                                            <p:txEl>
+                                              <p:pRg st="5" end="5"/>
+                                            </p:txEl>
+                                          </p:spTgt>
+                                        </p:tgtEl>
+                                        <p:attrNameLst>
+                                          <p:attrName>style.visibility</p:attrName>
+                                        </p:attrNameLst>
+                                      </p:cBhvr>
+                                      <p:to>
+                                        <p:strVal val="visible"/>
+                                      </p:to>
+                                    </p:set>
+                                  </p:childTnLst>
+                                </p:cTn>
+                              </p:par>
+                            </p:childTnLst>
+                          </p:cTn>
+                        </p:par>
+                      </p:childTnLst>
+                    </p:cTn>
+                  </p:par>
+                </p:childTnLst>
+              </p:cTn>
+              <p:prevCondLst>
+                <p:cond evt="onPrev" delay="0">
+                  <p:tgtEl>
+                    <p:sldTgt/>
+                  </p:tgtEl>
+                </p:cond>
+              </p:prevCondLst>
+              <p:nextCondLst>
+                <p:cond evt="onNext" delay="0">
+                  <p:tgtEl>
+                    <p:sldTgt/>
+                  </p:tgtEl>
+                </p:cond>
+              </p:nextCondLst>
+            </p:seq>
+          </p:childTnLst>
+        </p:cTn>
+      </p:par>
+    </p:tnLst>
+  </p:timing>
+</p:sld>
+</file>
+
+<file path=ppt/slides/slide9.xml><?xml version="1.0" encoding="utf-8"?>
+<p:sld xmlns:a="http://schemas.openxmlformats.org/drawingml/2006/main" xmlns:r="http://schemas.openxmlformats.org/officeDocument/2006/relationships" xmlns:p="http://schemas.openxmlformats.org/presentationml/2006/main">
+  <p:cSld>
+    <p:spTree>
+      <p:nvGrpSpPr>
+        <p:cNvPr id="1" name=""/>
+        <p:cNvGrpSpPr/>
+        <p:nvPr/>
+      </p:nvGrpSpPr>
+      <p:grpSpPr>
+        <a:xfrm>
+          <a:off x="0" y="0"/>
+          <a:ext cx="0" cy="0"/>
+          <a:chOff x="0" y="0"/>
+          <a:chExt cx="0" cy="0"/>
+        </a:xfrm>
+      </p:grpSpPr>
+      <p:sp>
+        <p:nvSpPr>
+          <p:cNvPr id="2" name="Title 1"/>
+          <p:cNvSpPr>
+            <a:spLocks noGrp="1"/>
+          </p:cNvSpPr>
+          <p:nvPr>
+            <p:ph type="title"/>
+          </p:nvPr>
+        </p:nvSpPr>
+        <p:spPr/>
+        <p:txBody>
+          <a:bodyPr/>
+          <a:lstStyle/>
+          <a:p>
+            <a:r>
+              <a:rPr lang="sv-SE" dirty="0" smtClean="0"/>
+              <a:t>Work</a:t>
+            </a:r>
+            <a:endParaRPr lang="sv-SE" dirty="0"/>
+          </a:p>
+        </p:txBody>
+      </p:sp>
+      <p:sp>
+        <p:nvSpPr>
+          <p:cNvPr id="3" name="Content Placeholder 2"/>
+          <p:cNvSpPr>
+            <a:spLocks noGrp="1"/>
+          </p:cNvSpPr>
+          <p:nvPr>
+            <p:ph idx="1"/>
+          </p:nvPr>
+        </p:nvSpPr>
+        <p:spPr/>
+        <p:txBody>
+          <a:bodyPr/>
+          <a:lstStyle/>
+          <a:p>
+            <a:endParaRPr lang="sv-SE" dirty="0" smtClean="0"/>
+          </a:p>
+          <a:p>
+            <a:r>
+              <a:rPr lang="sv-SE" dirty="0" smtClean="0"/>
+              <a:t>PCB</a:t>
+            </a:r>
+            <a:endParaRPr lang="sv-SE" dirty="0"/>
+          </a:p>
+        </p:txBody>
+      </p:sp>
+      <p:pic>
+        <p:nvPicPr>
+          <p:cNvPr id="3074" name="Picture 2" descr="C:\Users\Simon\Documents\Universitet\Projekt-i-inbyggda-system\Images\PCB_complete.jpg"/>
+          <p:cNvPicPr>
+            <a:picLocks noChangeAspect="1" noChangeArrowheads="1"/>
+          </p:cNvPicPr>
+          <p:nvPr/>
+        </p:nvPicPr>
+        <p:blipFill>
+          <a:blip r:embed="rId2" cstate="print"/>
+          <a:srcRect l="15937" t="23333" r="8532" b="22222"/>
+          <a:stretch>
+            <a:fillRect/>
+          </a:stretch>
+        </p:blipFill>
+        <p:spPr bwMode="auto">
+          <a:xfrm>
+            <a:off x="5791200" y="3276600"/>
+            <a:ext cx="3013788" cy="2895600"/>
+          </a:xfrm>
+          <a:prstGeom prst="rect">
+            <a:avLst/>
+          </a:prstGeom>
+          <a:noFill/>
+        </p:spPr>
+      </p:pic>
+      <p:pic>
+        <p:nvPicPr>
+          <p:cNvPr id="3075" name="Picture 3" descr="C:\Users\Simon\Documents\Universitet\Projekt-i-inbyggda-system\Images\PCB_clean.jpg"/>
+          <p:cNvPicPr>
+            <a:picLocks noChangeAspect="1" noChangeArrowheads="1"/>
+          </p:cNvPicPr>
+          <p:nvPr/>
+        </p:nvPicPr>
+        <p:blipFill>
+          <a:blip r:embed="rId3" cstate="print"/>
+          <a:srcRect l="1643" t="17778" r="-24" b="15556"/>
+          <a:stretch>
+            <a:fillRect/>
+          </a:stretch>
+        </p:blipFill>
+        <p:spPr bwMode="auto">
+          <a:xfrm>
+            <a:off x="3733800" y="381000"/>
+            <a:ext cx="5029200" cy="2557221"/>
+          </a:xfrm>
+          <a:prstGeom prst="rect">
+            <a:avLst/>
+          </a:prstGeom>
+          <a:noFill/>
+        </p:spPr>
+      </p:pic>
+      <p:pic>
+        <p:nvPicPr>
+          <p:cNvPr id="3076" name="Picture 4" descr="C:\Users\Simon\Documents\Universitet\Projekt-i-inbyggda-system\Images\PCB1.jpg"/>
+          <p:cNvPicPr>
+            <a:picLocks noChangeAspect="1" noChangeArrowheads="1"/>
+          </p:cNvPicPr>
+          <p:nvPr/>
+        </p:nvPicPr>
+        <p:blipFill>
+          <a:blip r:embed="rId4" cstate="print"/>
+          <a:srcRect l="18899" t="38889" r="12975" b="8889"/>
+          <a:stretch>
+            <a:fillRect/>
+          </a:stretch>
+        </p:blipFill>
+        <p:spPr bwMode="auto">
+          <a:xfrm>
+            <a:off x="2895600" y="3276600"/>
+            <a:ext cx="2833991" cy="2895600"/>
+          </a:xfrm>
+          <a:prstGeom prst="rect">
+            <a:avLst/>
+          </a:prstGeom>
+          <a:noFill/>
+        </p:spPr>
+      </p:pic>
+      <p:pic>
+        <p:nvPicPr>
+          <p:cNvPr id="3077" name="Picture 5" descr="C:\Users\Simon\Documents\Universitet\Projekt-i-inbyggda-system\Images\powersupply.jpg"/>
+          <p:cNvPicPr>
+            <a:picLocks noChangeAspect="1" noChangeArrowheads="1"/>
+          </p:cNvPicPr>
+          <p:nvPr/>
+        </p:nvPicPr>
+        <p:blipFill>
+          <a:blip r:embed="rId5" cstate="print"/>
+          <a:srcRect l="20380" t="32222" r="15937" b="31111"/>
+          <a:stretch>
+            <a:fillRect/>
+          </a:stretch>
+        </p:blipFill>
+        <p:spPr bwMode="auto">
+          <a:xfrm>
+            <a:off x="152400" y="3733800"/>
+            <a:ext cx="2680855" cy="2057400"/>
+          </a:xfrm>
+          <a:prstGeom prst="rect">
+            <a:avLst/>
+          </a:prstGeom>
+          <a:noFill/>
+        </p:spPr>
+      </p:pic>
+    </p:spTree>
+  </p:cSld>
+  <p:clrMapOvr>
+    <a:masterClrMapping/>
+  </p:clrMapOvr>
+  <p:timing>
+    <p:tnLst>
+      <p:par>
+        <p:cTn id="1" dur="indefinite" restart="never" nodeType="tmRoot">
+          <p:childTnLst>
+            <p:seq concurrent="1" nextAc="seek">
+              <p:cTn id="2" dur="indefinite" nodeType="mainSeq">
+                <p:childTnLst>
+                  <p:par>
+                    <p:cTn id="3" fill="hold">
+                      <p:stCondLst>
+                        <p:cond delay="indefinite"/>
+                      </p:stCondLst>
+                      <p:childTnLst>
+                        <p:par>
+                          <p:cTn id="4" fill="hold">
+                            <p:stCondLst>
+                              <p:cond delay="0"/>
+                            </p:stCondLst>
+                            <p:childTnLst>
+                              <p:par>
+                                <p:cTn id="5" presetID="1" presetClass="entr" presetSubtype="0" fill="hold" nodeType="clickEffect">
+                                  <p:stCondLst>
+                                    <p:cond delay="0"/>
+                                  </p:stCondLst>
+                                  <p:childTnLst>
+                                    <p:set>
+                                      <p:cBhvr>
+                                        <p:cTn id="6" dur="1" fill="hold">
+                                          <p:stCondLst>
+                                            <p:cond delay="0"/>
+                                          </p:stCondLst>
+                                        </p:cTn>
+                                        <p:tgtEl>
+                                          <p:spTgt spid="3075"/>
+                                        </p:tgtEl>
+                                        <p:attrNameLst>
+                                          <p:attrName>style.visibility</p:attrName>
+                                        </p:attrNameLst>
+                                      </p:cBhvr>
+                                      <p:to>
+                                        <p:strVal val="visible"/>
+                                      </p:to>
+                                    </p:set>
+                                  </p:childTnLst>
+                                </p:cTn>
+                              </p:par>
+                            </p:childTnLst>
+                          </p:cTn>
+                        </p:par>
+                      </p:childTnLst>
+                    </p:cTn>
+                  </p:par>
+                  <p:par>
+                    <p:cTn id="7" fill="hold">
+                      <p:stCondLst>
+                        <p:cond delay="indefinite"/>
+                      </p:stCondLst>
+                      <p:childTnLst>
+                        <p:par>
+                          <p:cTn id="8" fill="hold">
+                            <p:stCondLst>
+                              <p:cond delay="0"/>
+                            </p:stCondLst>
+                            <p:childTnLst>
+                              <p:par>
+                                <p:cTn id="9" presetID="1" presetClass="entr" presetSubtype="0" fill="hold" nodeType="clickEffect">
+                                  <p:stCondLst>
+                                    <p:cond delay="0"/>
+                                  </p:stCondLst>
+                                  <p:childTnLst>
+                                    <p:set>
+                                      <p:cBhvr>
+                                        <p:cTn id="10" dur="1" fill="hold">
+                                          <p:stCondLst>
+                                            <p:cond delay="0"/>
+                                          </p:stCondLst>
+                                        </p:cTn>
+                                        <p:tgtEl>
+                                          <p:spTgt spid="3077"/>
+                                        </p:tgtEl>
+                                        <p:attrNameLst>
+                                          <p:attrName>style.visibility</p:attrName>
+                                        </p:attrNameLst>
+                                      </p:cBhvr>
+                                      <p:to>
+                                        <p:strVal val="visible"/>
+                                      </p:to>
+                                    </p:set>
+                                  </p:childTnLst>
+                                </p:cTn>
+                              </p:par>
+                            </p:childTnLst>
+                          </p:cTn>
+                        </p:par>
+                      </p:childTnLst>
+                    </p:cTn>
+                  </p:par>
+                  <p:par>
+                    <p:cTn id="11" fill="hold">
+                      <p:stCondLst>
+                        <p:cond delay="indefinite"/>
+                      </p:stCondLst>
+                      <p:childTnLst>
+                        <p:par>
+                          <p:cTn id="12" fill="hold">
+                            <p:stCondLst>
+                              <p:cond delay="0"/>
+                            </p:stCondLst>
+                            <p:childTnLst>
+                              <p:par>
+                                <p:cTn id="13" presetID="1" presetClass="entr" presetSubtype="0" fill="hold" nodeType="clickEffect">
+                                  <p:stCondLst>
+                                    <p:cond delay="0"/>
+                                  </p:stCondLst>
+                                  <p:childTnLst>
+                                    <p:set>
+                                      <p:cBhvr>
+                                        <p:cTn id="14" dur="1" fill="hold">
+                                          <p:stCondLst>
+                                            <p:cond delay="0"/>
+                                          </p:stCondLst>
+                                        </p:cTn>
+                                        <p:tgtEl>
+                                          <p:spTgt spid="3076"/>
+                                        </p:tgtEl>
+                                        <p:attrNameLst>
+                                          <p:attrName>style.visibility</p:attrName>
+                                        </p:attrNameLst>
+                                      </p:cBhvr>
+                                      <p:to>
+                                        <p:strVal val="visible"/>
+                                      </p:to>
+                                    </p:set>
+                                  </p:childTnLst>
+                                </p:cTn>
+                              </p:par>
+                              <p:par>
+                                <p:cTn id="15" presetID="1" presetClass="entr" presetSubtype="0" fill="hold" nodeType="withEffect">
+                                  <p:stCondLst>
+                                    <p:cond delay="0"/>
+                                  </p:stCondLst>
+                                  <p:childTnLst>
+                                    <p:set>
+                                      <p:cBhvr>
+                                        <p:cTn id="16" dur="1" fill="hold">
+                                          <p:stCondLst>
+                                            <p:cond delay="0"/>
+                                          </p:stCondLst>
+                                        </p:cTn>
+                                        <p:tgtEl>
+                                          <p:spTgt spid="3074"/>
+                                        </p:tgtEl>
+                                        <p:attrNameLst>
+                                          <p:attrName>style.visibility</p:attrName>
+                                        </p:attrNameLst>
+                                      </p:cBhvr>
+                                      <p:to>
+                                        <p:strVal val="visible"/>
+                                      </p:to>
+                                    </p:set>
+                                  </p:childTnLst>
+                                </p:cTn>
+                              </p:par>
+                            </p:childTnLst>
+                          </p:cTn>
+                        </p:par>
+                      </p:childTnLst>
+                    </p:cTn>
+                  </p:par>
+                </p:childTnLst>
+              </p:cTn>
+              <p:prevCondLst>
+                <p:cond evt="onPrev" delay="0">
+                  <p:tgtEl>
+                    <p:sldTgt/>
+                  </p:tgtEl>
+                </p:cond>
+              </p:prevCondLst>
+              <p:nextCondLst>
+                <p:cond evt="onNext" delay="0">
+                  <p:tgtEl>
+                    <p:sldTgt/>
+                  </p:tgtEl>
+                </p:cond>
+              </p:nextCondLst>
+            </p:seq>
+          </p:childTnLst>
+        </p:cTn>
+      </p:par>
+    </p:tnLst>
+  </p:timing>
 </p:sld>
 </file>
 
